--- a/documents/PPT문서양식.pptx
+++ b/documents/PPT문서양식.pptx
@@ -5,7 +5,7 @@
     <p:sldMasterId id="2147483652" r:id="rId1"/>
   </p:sldMasterIdLst>
   <p:notesMasterIdLst>
-    <p:notesMasterId r:id="rId11"/>
+    <p:notesMasterId r:id="rId12"/>
   </p:notesMasterIdLst>
   <p:sldIdLst>
     <p:sldId id="256" r:id="rId2"/>
@@ -15,8 +15,9 @@
     <p:sldId id="261" r:id="rId6"/>
     <p:sldId id="262" r:id="rId7"/>
     <p:sldId id="263" r:id="rId8"/>
-    <p:sldId id="264" r:id="rId9"/>
-    <p:sldId id="265" r:id="rId10"/>
+    <p:sldId id="266" r:id="rId9"/>
+    <p:sldId id="267" r:id="rId10"/>
+    <p:sldId id="265" r:id="rId11"/>
   </p:sldIdLst>
   <p:sldSz cx="9906000" cy="6858000" type="A4"/>
   <p:notesSz cx="6858000" cy="9144000"/>
@@ -1848,6 +1849,128 @@
 </p:notes>
 </file>
 
+<file path=ppt/notesSlides/notesSlide10.xml><?xml version="1.0" encoding="utf-8"?>
+<p:notes xmlns:a="http://schemas.openxmlformats.org/drawingml/2006/main" xmlns:r="http://schemas.openxmlformats.org/officeDocument/2006/relationships" xmlns:p="http://schemas.openxmlformats.org/presentationml/2006/main" showMasterSp="0" showMasterPhAnim="0">
+  <p:cSld>
+    <p:spTree>
+      <p:nvGrpSpPr>
+        <p:cNvPr id="1" name="Shape 123"/>
+        <p:cNvGrpSpPr/>
+        <p:nvPr/>
+      </p:nvGrpSpPr>
+      <p:grpSpPr>
+        <a:xfrm>
+          <a:off x="0" y="0"/>
+          <a:ext cx="0" cy="0"/>
+          <a:chOff x="0" y="0"/>
+          <a:chExt cx="0" cy="0"/>
+        </a:xfrm>
+      </p:grpSpPr>
+      <p:sp>
+        <p:nvSpPr>
+          <p:cNvPr id="124" name="Google Shape;124;g817d10648a_1_24:notes"/>
+          <p:cNvSpPr txBox="1">
+            <a:spLocks noGrp="1"/>
+          </p:cNvSpPr>
+          <p:nvPr>
+            <p:ph type="body" idx="1"/>
+          </p:nvPr>
+        </p:nvSpPr>
+        <p:spPr>
+          <a:xfrm>
+            <a:off x="685800" y="4400550"/>
+            <a:ext cx="5486400" cy="3600600"/>
+          </a:xfrm>
+          <a:prstGeom prst="rect">
+            <a:avLst/>
+          </a:prstGeom>
+          <a:noFill/>
+          <a:ln>
+            <a:noFill/>
+          </a:ln>
+        </p:spPr>
+        <p:txBody>
+          <a:bodyPr spcFirstLastPara="1" wrap="square" lIns="91425" tIns="45700" rIns="91425" bIns="45700" anchor="t" anchorCtr="0">
+            <a:noAutofit/>
+          </a:bodyPr>
+          <a:lstStyle/>
+          <a:p>
+            <a:pPr marL="0" lvl="0" indent="0" algn="l" rtl="0">
+              <a:lnSpc>
+                <a:spcPct val="100000"/>
+              </a:lnSpc>
+              <a:spcBef>
+                <a:spcPts val="0"/>
+              </a:spcBef>
+              <a:spcAft>
+                <a:spcPts val="0"/>
+              </a:spcAft>
+              <a:buSzPts val="1400"/>
+              <a:buNone/>
+            </a:pPr>
+            <a:endParaRPr/>
+          </a:p>
+        </p:txBody>
+      </p:sp>
+      <p:sp>
+        <p:nvSpPr>
+          <p:cNvPr id="125" name="Google Shape;125;g817d10648a_1_24:notes"/>
+          <p:cNvSpPr>
+            <a:spLocks noGrp="1" noRot="1" noChangeAspect="1"/>
+          </p:cNvSpPr>
+          <p:nvPr>
+            <p:ph type="sldImg" idx="2"/>
+          </p:nvPr>
+        </p:nvSpPr>
+        <p:spPr>
+          <a:xfrm>
+            <a:off x="1200150" y="1143000"/>
+            <a:ext cx="4457700" cy="3086100"/>
+          </a:xfrm>
+          <a:custGeom>
+            <a:avLst/>
+            <a:gdLst/>
+            <a:ahLst/>
+            <a:cxnLst/>
+            <a:rect l="l" t="t" r="r" b="b"/>
+            <a:pathLst>
+              <a:path w="120000" h="120000" extrusionOk="0">
+                <a:moveTo>
+                  <a:pt x="0" y="0"/>
+                </a:moveTo>
+                <a:lnTo>
+                  <a:pt x="120000" y="0"/>
+                </a:lnTo>
+                <a:lnTo>
+                  <a:pt x="120000" y="120000"/>
+                </a:lnTo>
+                <a:lnTo>
+                  <a:pt x="0" y="120000"/>
+                </a:lnTo>
+                <a:close/>
+              </a:path>
+            </a:pathLst>
+          </a:custGeom>
+          <a:noFill/>
+          <a:ln w="12700" cap="flat" cmpd="sng">
+            <a:solidFill>
+              <a:srgbClr val="000000"/>
+            </a:solidFill>
+            <a:prstDash val="solid"/>
+            <a:round/>
+            <a:headEnd type="none" w="sm" len="sm"/>
+            <a:tailEnd type="none" w="sm" len="sm"/>
+          </a:ln>
+        </p:spPr>
+      </p:sp>
+    </p:spTree>
+  </p:cSld>
+  <p:clrMapOvr>
+    <a:masterClrMapping/>
+  </p:clrMapOvr>
+</p:notes>
+</file>
+
 <file path=ppt/notesSlides/notesSlide2.xml><?xml version="1.0" encoding="utf-8"?>
 <p:notes xmlns:a="http://schemas.openxmlformats.org/drawingml/2006/main" xmlns:r="http://schemas.openxmlformats.org/officeDocument/2006/relationships" xmlns:p="http://schemas.openxmlformats.org/presentationml/2006/main" showMasterSp="0" showMasterPhAnim="0">
   <p:cSld>
@@ -2724,6 +2847,11 @@
         </p:spPr>
       </p:sp>
     </p:spTree>
+    <p:extLst>
+      <p:ext uri="{BB962C8B-B14F-4D97-AF65-F5344CB8AC3E}">
+        <p14:creationId xmlns:p14="http://schemas.microsoft.com/office/powerpoint/2010/main" val="3177805747"/>
+      </p:ext>
+    </p:extLst>
   </p:cSld>
   <p:clrMapOvr>
     <a:masterClrMapping/>
@@ -2736,7 +2864,7 @@
   <p:cSld>
     <p:spTree>
       <p:nvGrpSpPr>
-        <p:cNvPr id="1" name="Shape 123"/>
+        <p:cNvPr id="1" name="Shape 105"/>
         <p:cNvGrpSpPr/>
         <p:nvPr/>
       </p:nvGrpSpPr>
@@ -2750,7 +2878,7 @@
       </p:grpSpPr>
       <p:sp>
         <p:nvSpPr>
-          <p:cNvPr id="124" name="Google Shape;124;g817d10648a_1_24:notes"/>
+          <p:cNvPr id="106" name="Google Shape;106;g817d10648a_1_18:notes"/>
           <p:cNvSpPr txBox="1">
             <a:spLocks noGrp="1"/>
           </p:cNvSpPr>
@@ -2796,7 +2924,7 @@
       </p:sp>
       <p:sp>
         <p:nvSpPr>
-          <p:cNvPr id="125" name="Google Shape;125;g817d10648a_1_24:notes"/>
+          <p:cNvPr id="107" name="Google Shape;107;g817d10648a_1_18:notes"/>
           <p:cNvSpPr>
             <a:spLocks noGrp="1" noRot="1" noChangeAspect="1"/>
           </p:cNvSpPr>
@@ -2846,6 +2974,11 @@
         </p:spPr>
       </p:sp>
     </p:spTree>
+    <p:extLst>
+      <p:ext uri="{BB962C8B-B14F-4D97-AF65-F5344CB8AC3E}">
+        <p14:creationId xmlns:p14="http://schemas.microsoft.com/office/powerpoint/2010/main" val="2218546706"/>
+      </p:ext>
+    </p:extLst>
   </p:cSld>
   <p:clrMapOvr>
     <a:masterClrMapping/>
@@ -7081,6 +7214,171 @@
 </p:sld>
 </file>
 
+<file path=ppt/slides/slide10.xml><?xml version="1.0" encoding="utf-8"?>
+<p:sld xmlns:a="http://schemas.openxmlformats.org/drawingml/2006/main" xmlns:r="http://schemas.openxmlformats.org/officeDocument/2006/relationships" xmlns:p="http://schemas.openxmlformats.org/presentationml/2006/main">
+  <p:cSld>
+    <p:spTree>
+      <p:nvGrpSpPr>
+        <p:cNvPr id="1" name="Shape 126"/>
+        <p:cNvGrpSpPr/>
+        <p:nvPr/>
+      </p:nvGrpSpPr>
+      <p:grpSpPr>
+        <a:xfrm>
+          <a:off x="0" y="0"/>
+          <a:ext cx="0" cy="0"/>
+          <a:chOff x="0" y="0"/>
+          <a:chExt cx="0" cy="0"/>
+        </a:xfrm>
+      </p:grpSpPr>
+      <p:sp>
+        <p:nvSpPr>
+          <p:cNvPr id="127" name="Google Shape;127;p15"/>
+          <p:cNvSpPr txBox="1">
+            <a:spLocks noGrp="1"/>
+          </p:cNvSpPr>
+          <p:nvPr>
+            <p:ph type="title"/>
+          </p:nvPr>
+        </p:nvSpPr>
+        <p:spPr>
+          <a:xfrm>
+            <a:off x="273050" y="116632"/>
+            <a:ext cx="8544000" cy="504000"/>
+          </a:xfrm>
+          <a:prstGeom prst="rect">
+            <a:avLst/>
+          </a:prstGeom>
+          <a:noFill/>
+          <a:ln>
+            <a:noFill/>
+          </a:ln>
+        </p:spPr>
+        <p:txBody>
+          <a:bodyPr spcFirstLastPara="1" wrap="square" lIns="91425" tIns="45700" rIns="91425" bIns="45700" anchor="ctr" anchorCtr="0">
+            <a:noAutofit/>
+          </a:bodyPr>
+          <a:lstStyle/>
+          <a:p>
+            <a:pPr marL="0" lvl="0" indent="0" algn="l" rtl="0">
+              <a:lnSpc>
+                <a:spcPct val="100000"/>
+              </a:lnSpc>
+              <a:spcBef>
+                <a:spcPts val="0"/>
+              </a:spcBef>
+              <a:spcAft>
+                <a:spcPts val="0"/>
+              </a:spcAft>
+              <a:buClr>
+                <a:srgbClr val="000000"/>
+              </a:buClr>
+              <a:buSzPts val="2400"/>
+              <a:buFont typeface="Malgun Gothic"/>
+              <a:buNone/>
+            </a:pPr>
+            <a:r>
+              <a:rPr lang="ko-KR"/>
+              <a:t>시스템 구성도</a:t>
+            </a:r>
+            <a:endParaRPr/>
+          </a:p>
+        </p:txBody>
+      </p:sp>
+      <p:sp>
+        <p:nvSpPr>
+          <p:cNvPr id="128" name="Google Shape;128;p15"/>
+          <p:cNvSpPr txBox="1">
+            <a:spLocks noGrp="1"/>
+          </p:cNvSpPr>
+          <p:nvPr>
+            <p:ph type="sldNum" idx="12"/>
+          </p:nvPr>
+        </p:nvSpPr>
+        <p:spPr>
+          <a:xfrm>
+            <a:off x="3838575" y="6622617"/>
+            <a:ext cx="2229000" cy="235500"/>
+          </a:xfrm>
+          <a:prstGeom prst="rect">
+            <a:avLst/>
+          </a:prstGeom>
+          <a:noFill/>
+          <a:ln>
+            <a:noFill/>
+          </a:ln>
+        </p:spPr>
+        <p:txBody>
+          <a:bodyPr spcFirstLastPara="1" wrap="square" lIns="91425" tIns="45700" rIns="91425" bIns="45700" anchor="ctr" anchorCtr="0">
+            <a:noAutofit/>
+          </a:bodyPr>
+          <a:lstStyle/>
+          <a:p>
+            <a:pPr marL="0" lvl="0" indent="0" algn="ctr" rtl="0">
+              <a:lnSpc>
+                <a:spcPct val="100000"/>
+              </a:lnSpc>
+              <a:spcBef>
+                <a:spcPts val="0"/>
+              </a:spcBef>
+              <a:spcAft>
+                <a:spcPts val="0"/>
+              </a:spcAft>
+              <a:buSzPts val="1100"/>
+              <a:buNone/>
+            </a:pPr>
+            <a:r>
+              <a:rPr lang="ko-KR"/>
+              <a:t>- </a:t>
+            </a:r>
+            <a:fld id="{00000000-1234-1234-1234-123412341234}" type="slidenum">
+              <a:rPr lang="en-US" altLang="ko-KR"/>
+              <a:t>9</a:t>
+            </a:fld>
+            <a:r>
+              <a:rPr lang="ko-KR"/>
+              <a:t> -</a:t>
+            </a:r>
+            <a:endParaRPr/>
+          </a:p>
+        </p:txBody>
+      </p:sp>
+      <p:pic>
+        <p:nvPicPr>
+          <p:cNvPr id="129" name="Google Shape;129;p15"/>
+          <p:cNvPicPr preferRelativeResize="0"/>
+          <p:nvPr/>
+        </p:nvPicPr>
+        <p:blipFill>
+          <a:blip r:embed="rId3">
+            <a:alphaModFix/>
+          </a:blip>
+          <a:stretch>
+            <a:fillRect/>
+          </a:stretch>
+        </p:blipFill>
+        <p:spPr>
+          <a:xfrm>
+            <a:off x="425450" y="1303024"/>
+            <a:ext cx="9191799" cy="4726575"/>
+          </a:xfrm>
+          <a:prstGeom prst="rect">
+            <a:avLst/>
+          </a:prstGeom>
+          <a:noFill/>
+          <a:ln>
+            <a:noFill/>
+          </a:ln>
+        </p:spPr>
+      </p:pic>
+    </p:spTree>
+  </p:cSld>
+  <p:clrMapOvr>
+    <a:masterClrMapping/>
+  </p:clrMapOvr>
+</p:sld>
+</file>
+
 <file path=ppt/slides/slide2.xml><?xml version="1.0" encoding="utf-8"?>
 <p:sld xmlns:a="http://schemas.openxmlformats.org/drawingml/2006/main" xmlns:r="http://schemas.openxmlformats.org/officeDocument/2006/relationships" xmlns:p="http://schemas.openxmlformats.org/presentationml/2006/main">
   <p:cSld>
@@ -9388,8 +9686,8 @@
         </p:blipFill>
         <p:spPr>
           <a:xfrm>
-            <a:off x="386250" y="1599850"/>
-            <a:ext cx="2600225" cy="1147225"/>
+            <a:off x="1628666" y="1911523"/>
+            <a:ext cx="2236033" cy="923643"/>
           </a:xfrm>
           <a:prstGeom prst="rect">
             <a:avLst/>
@@ -9416,8 +9714,8 @@
         </p:blipFill>
         <p:spPr>
           <a:xfrm>
-            <a:off x="614841" y="3369975"/>
-            <a:ext cx="2143050" cy="2287987"/>
+            <a:off x="755469" y="4011850"/>
+            <a:ext cx="2237472" cy="1935048"/>
           </a:xfrm>
           <a:prstGeom prst="rect">
             <a:avLst/>
@@ -9428,9 +9726,77 @@
           </a:ln>
         </p:spPr>
       </p:pic>
+      <p:sp>
+        <p:nvSpPr>
+          <p:cNvPr id="2" name="TextBox 1"/>
+          <p:cNvSpPr txBox="1"/>
+          <p:nvPr/>
+        </p:nvSpPr>
+        <p:spPr>
+          <a:xfrm>
+            <a:off x="530706" y="1055072"/>
+            <a:ext cx="2145323" cy="400110"/>
+          </a:xfrm>
+          <a:prstGeom prst="rect">
+            <a:avLst/>
+          </a:prstGeom>
+          <a:noFill/>
+        </p:spPr>
+        <p:txBody>
+          <a:bodyPr wrap="square" rtlCol="0">
+            <a:spAutoFit/>
+          </a:bodyPr>
+          <a:lstStyle/>
+          <a:p>
+            <a:pPr marL="285750" indent="-285750">
+              <a:buFont typeface="Arial" panose="020B0604020202020204" pitchFamily="34" charset="0"/>
+              <a:buChar char="•"/>
+            </a:pPr>
+            <a:r>
+              <a:rPr lang="ko-KR" altLang="en-US" sz="2000" b="1" dirty="0" smtClean="0"/>
+              <a:t>협업 관리 도구</a:t>
+            </a:r>
+            <a:endParaRPr lang="ko-KR" altLang="en-US" sz="2000" b="1" dirty="0"/>
+          </a:p>
+        </p:txBody>
+      </p:sp>
+      <p:sp>
+        <p:nvSpPr>
+          <p:cNvPr id="17" name="TextBox 16"/>
+          <p:cNvSpPr txBox="1"/>
+          <p:nvPr/>
+        </p:nvSpPr>
+        <p:spPr>
+          <a:xfrm>
+            <a:off x="530706" y="3500985"/>
+            <a:ext cx="3307870" cy="400110"/>
+          </a:xfrm>
+          <a:prstGeom prst="rect">
+            <a:avLst/>
+          </a:prstGeom>
+          <a:noFill/>
+        </p:spPr>
+        <p:txBody>
+          <a:bodyPr wrap="square" rtlCol="0">
+            <a:spAutoFit/>
+          </a:bodyPr>
+          <a:lstStyle/>
+          <a:p>
+            <a:pPr marL="285750" indent="-285750">
+              <a:buFont typeface="Arial" panose="020B0604020202020204" pitchFamily="34" charset="0"/>
+              <a:buChar char="•"/>
+            </a:pPr>
+            <a:r>
+              <a:rPr lang="ko-KR" altLang="en-US" sz="2000" b="1" dirty="0" smtClean="0"/>
+              <a:t>사용 언어 및 라이브러리</a:t>
+            </a:r>
+            <a:endParaRPr lang="ko-KR" altLang="en-US" sz="2000" b="1" dirty="0"/>
+          </a:p>
+        </p:txBody>
+      </p:sp>
       <p:pic>
         <p:nvPicPr>
-          <p:cNvPr id="113" name="Google Shape;113;p14"/>
+          <p:cNvPr id="18" name="Google Shape;118;p14"/>
           <p:cNvPicPr preferRelativeResize="0"/>
           <p:nvPr/>
         </p:nvPicPr>
@@ -9444,8 +9810,8 @@
         </p:blipFill>
         <p:spPr>
           <a:xfrm>
-            <a:off x="3089363" y="5020200"/>
-            <a:ext cx="3458515" cy="1431825"/>
+            <a:off x="5429482" y="1660243"/>
+            <a:ext cx="2930747" cy="1376808"/>
           </a:xfrm>
           <a:prstGeom prst="rect">
             <a:avLst/>
@@ -9458,7 +9824,7 @@
       </p:pic>
       <p:pic>
         <p:nvPicPr>
-          <p:cNvPr id="114" name="Google Shape;114;p14"/>
+          <p:cNvPr id="20" name="Google Shape;117;p14"/>
           <p:cNvPicPr preferRelativeResize="0"/>
           <p:nvPr/>
         </p:nvPicPr>
@@ -9472,91 +9838,7 @@
         </p:blipFill>
         <p:spPr>
           <a:xfrm>
-            <a:off x="6770450" y="2015838"/>
-            <a:ext cx="2320075" cy="2320075"/>
-          </a:xfrm>
-          <a:prstGeom prst="rect">
-            <a:avLst/>
-          </a:prstGeom>
-          <a:noFill/>
-          <a:ln>
-            <a:noFill/>
-          </a:ln>
-        </p:spPr>
-      </p:pic>
-      <p:pic>
-        <p:nvPicPr>
-          <p:cNvPr id="115" name="Google Shape;115;p14"/>
-          <p:cNvPicPr preferRelativeResize="0"/>
-          <p:nvPr/>
-        </p:nvPicPr>
-        <p:blipFill>
-          <a:blip r:embed="rId7">
-            <a:alphaModFix/>
-          </a:blip>
-          <a:stretch>
-            <a:fillRect/>
-          </a:stretch>
-        </p:blipFill>
-        <p:spPr>
-          <a:xfrm>
-            <a:off x="4825963" y="3220564"/>
-            <a:ext cx="3127711" cy="1629025"/>
-          </a:xfrm>
-          <a:prstGeom prst="rect">
-            <a:avLst/>
-          </a:prstGeom>
-          <a:noFill/>
-          <a:ln>
-            <a:noFill/>
-          </a:ln>
-        </p:spPr>
-      </p:pic>
-      <p:pic>
-        <p:nvPicPr>
-          <p:cNvPr id="116" name="Google Shape;116;p14"/>
-          <p:cNvPicPr preferRelativeResize="0"/>
-          <p:nvPr/>
-        </p:nvPicPr>
-        <p:blipFill>
-          <a:blip r:embed="rId8">
-            <a:alphaModFix/>
-          </a:blip>
-          <a:stretch>
-            <a:fillRect/>
-          </a:stretch>
-        </p:blipFill>
-        <p:spPr>
-          <a:xfrm>
-            <a:off x="3185250" y="981075"/>
-            <a:ext cx="3585200" cy="842522"/>
-          </a:xfrm>
-          <a:prstGeom prst="rect">
-            <a:avLst/>
-          </a:prstGeom>
-          <a:noFill/>
-          <a:ln>
-            <a:noFill/>
-          </a:ln>
-        </p:spPr>
-      </p:pic>
-      <p:pic>
-        <p:nvPicPr>
-          <p:cNvPr id="117" name="Google Shape;117;p14"/>
-          <p:cNvPicPr preferRelativeResize="0"/>
-          <p:nvPr/>
-        </p:nvPicPr>
-        <p:blipFill>
-          <a:blip r:embed="rId9">
-            <a:alphaModFix/>
-          </a:blip>
-          <a:stretch>
-            <a:fillRect/>
-          </a:stretch>
-        </p:blipFill>
-        <p:spPr>
-          <a:xfrm>
-            <a:off x="6727350" y="4076663"/>
+            <a:off x="3619418" y="4249564"/>
             <a:ext cx="2600225" cy="1581294"/>
           </a:xfrm>
           <a:prstGeom prst="rect">
@@ -9570,149 +9852,69 @@
       </p:pic>
       <p:pic>
         <p:nvPicPr>
-          <p:cNvPr id="118" name="Google Shape;118;p14"/>
-          <p:cNvPicPr preferRelativeResize="0"/>
+          <p:cNvPr id="3" name="그림 2"/>
+          <p:cNvPicPr>
+            <a:picLocks noChangeAspect="1"/>
+          </p:cNvPicPr>
           <p:nvPr/>
         </p:nvPicPr>
         <p:blipFill>
-          <a:blip r:embed="rId10">
-            <a:alphaModFix/>
-          </a:blip>
+          <a:blip r:embed="rId7"/>
           <a:stretch>
             <a:fillRect/>
           </a:stretch>
         </p:blipFill>
         <p:spPr>
           <a:xfrm>
-            <a:off x="6870750" y="1376210"/>
-            <a:ext cx="2600225" cy="1059351"/>
+            <a:off x="6894855" y="4197260"/>
+            <a:ext cx="2062026" cy="632574"/>
           </a:xfrm>
           <a:prstGeom prst="rect">
             <a:avLst/>
           </a:prstGeom>
-          <a:noFill/>
-          <a:ln>
-            <a:noFill/>
-          </a:ln>
         </p:spPr>
       </p:pic>
       <p:pic>
         <p:nvPicPr>
-          <p:cNvPr id="119" name="Google Shape;119;p14"/>
-          <p:cNvPicPr preferRelativeResize="0"/>
+          <p:cNvPr id="4" name="그림 3"/>
+          <p:cNvPicPr>
+            <a:picLocks noChangeAspect="1"/>
+          </p:cNvPicPr>
           <p:nvPr/>
         </p:nvPicPr>
         <p:blipFill>
-          <a:blip r:embed="rId11">
-            <a:alphaModFix/>
-          </a:blip>
+          <a:blip r:embed="rId8"/>
           <a:stretch>
             <a:fillRect/>
           </a:stretch>
         </p:blipFill>
         <p:spPr>
           <a:xfrm>
-            <a:off x="729053" y="981082"/>
-            <a:ext cx="2257425" cy="542925"/>
+            <a:off x="6846120" y="5107067"/>
+            <a:ext cx="2110761" cy="723791"/>
           </a:xfrm>
           <a:prstGeom prst="rect">
             <a:avLst/>
           </a:prstGeom>
-          <a:noFill/>
-          <a:ln>
-            <a:noFill/>
-          </a:ln>
-        </p:spPr>
-      </p:pic>
-      <p:pic>
-        <p:nvPicPr>
-          <p:cNvPr id="120" name="Google Shape;120;p14"/>
-          <p:cNvPicPr preferRelativeResize="0"/>
-          <p:nvPr/>
-        </p:nvPicPr>
-        <p:blipFill>
-          <a:blip r:embed="rId12">
-            <a:alphaModFix/>
-          </a:blip>
-          <a:stretch>
-            <a:fillRect/>
-          </a:stretch>
-        </p:blipFill>
-        <p:spPr>
-          <a:xfrm>
-            <a:off x="3089363" y="2184038"/>
-            <a:ext cx="1800225" cy="1876425"/>
-          </a:xfrm>
-          <a:prstGeom prst="rect">
-            <a:avLst/>
-          </a:prstGeom>
-          <a:noFill/>
-          <a:ln>
-            <a:noFill/>
-          </a:ln>
-        </p:spPr>
-      </p:pic>
-      <p:pic>
-        <p:nvPicPr>
-          <p:cNvPr id="121" name="Google Shape;121;p14"/>
-          <p:cNvPicPr preferRelativeResize="0"/>
-          <p:nvPr/>
-        </p:nvPicPr>
-        <p:blipFill>
-          <a:blip r:embed="rId11">
-            <a:alphaModFix/>
-          </a:blip>
-          <a:stretch>
-            <a:fillRect/>
-          </a:stretch>
-        </p:blipFill>
-        <p:spPr>
-          <a:xfrm>
-            <a:off x="785903" y="2991282"/>
-            <a:ext cx="2257425" cy="542925"/>
-          </a:xfrm>
-          <a:prstGeom prst="rect">
-            <a:avLst/>
-          </a:prstGeom>
-          <a:noFill/>
-          <a:ln>
-            <a:noFill/>
-          </a:ln>
-        </p:spPr>
-      </p:pic>
-      <p:pic>
-        <p:nvPicPr>
-          <p:cNvPr id="122" name="Google Shape;122;p14"/>
-          <p:cNvPicPr preferRelativeResize="0"/>
-          <p:nvPr/>
-        </p:nvPicPr>
-        <p:blipFill>
-          <a:blip r:embed="rId13">
-            <a:alphaModFix/>
-          </a:blip>
-          <a:stretch>
-            <a:fillRect/>
-          </a:stretch>
-        </p:blipFill>
-        <p:spPr>
-          <a:xfrm>
-            <a:off x="4935653" y="2127832"/>
-            <a:ext cx="2183724" cy="895243"/>
-          </a:xfrm>
-          <a:prstGeom prst="rect">
-            <a:avLst/>
-          </a:prstGeom>
-          <a:noFill/>
-          <a:ln>
-            <a:noFill/>
-          </a:ln>
         </p:spPr>
       </p:pic>
     </p:spTree>
+    <p:extLst>
+      <p:ext uri="{BB962C8B-B14F-4D97-AF65-F5344CB8AC3E}">
+        <p14:creationId xmlns:p14="http://schemas.microsoft.com/office/powerpoint/2010/main" val="4277468692"/>
+      </p:ext>
+    </p:extLst>
   </p:cSld>
   <p:clrMapOvr>
     <a:masterClrMapping/>
   </p:clrMapOvr>
+  <p:timing>
+    <p:tnLst>
+      <p:par>
+        <p:cTn id="1" dur="indefinite" restart="never" nodeType="tmRoot"/>
+      </p:par>
+    </p:tnLst>
+  </p:timing>
 </p:sld>
 </file>
 
@@ -9721,7 +9923,7 @@
   <p:cSld>
     <p:spTree>
       <p:nvGrpSpPr>
-        <p:cNvPr id="1" name="Shape 126"/>
+        <p:cNvPr id="1" name="Shape 108"/>
         <p:cNvGrpSpPr/>
         <p:nvPr/>
       </p:nvGrpSpPr>
@@ -9735,7 +9937,7 @@
       </p:grpSpPr>
       <p:sp>
         <p:nvSpPr>
-          <p:cNvPr id="127" name="Google Shape;127;p15"/>
+          <p:cNvPr id="109" name="Google Shape;109;p14"/>
           <p:cNvSpPr txBox="1">
             <a:spLocks noGrp="1"/>
           </p:cNvSpPr>
@@ -9781,7 +9983,7 @@
             </a:pPr>
             <a:r>
               <a:rPr lang="ko-KR"/>
-              <a:t>시스템 구성도</a:t>
+              <a:t>적용기술</a:t>
             </a:r>
             <a:endParaRPr/>
           </a:p>
@@ -9789,7 +9991,7 @@
       </p:sp>
       <p:sp>
         <p:nvSpPr>
-          <p:cNvPr id="128" name="Google Shape;128;p15"/>
+          <p:cNvPr id="110" name="Google Shape;110;p14"/>
           <p:cNvSpPr txBox="1">
             <a:spLocks noGrp="1"/>
           </p:cNvSpPr>
@@ -9847,7 +10049,7 @@
       </p:sp>
       <p:pic>
         <p:nvPicPr>
-          <p:cNvPr id="129" name="Google Shape;129;p15"/>
+          <p:cNvPr id="114" name="Google Shape;114;p14"/>
           <p:cNvPicPr preferRelativeResize="0"/>
           <p:nvPr/>
         </p:nvPicPr>
@@ -9861,8 +10063,8 @@
         </p:blipFill>
         <p:spPr>
           <a:xfrm>
-            <a:off x="425450" y="1303024"/>
-            <a:ext cx="9191799" cy="4726575"/>
+            <a:off x="3793037" y="1376024"/>
+            <a:ext cx="2320075" cy="2320075"/>
           </a:xfrm>
           <a:prstGeom prst="rect">
             <a:avLst/>
@@ -9873,11 +10075,251 @@
           </a:ln>
         </p:spPr>
       </p:pic>
+      <p:pic>
+        <p:nvPicPr>
+          <p:cNvPr id="116" name="Google Shape;116;p14"/>
+          <p:cNvPicPr preferRelativeResize="0"/>
+          <p:nvPr/>
+        </p:nvPicPr>
+        <p:blipFill>
+          <a:blip r:embed="rId4">
+            <a:alphaModFix/>
+          </a:blip>
+          <a:stretch>
+            <a:fillRect/>
+          </a:stretch>
+        </p:blipFill>
+        <p:spPr>
+          <a:xfrm>
+            <a:off x="1135480" y="4326403"/>
+            <a:ext cx="2378428" cy="639857"/>
+          </a:xfrm>
+          <a:prstGeom prst="rect">
+            <a:avLst/>
+          </a:prstGeom>
+          <a:noFill/>
+          <a:ln>
+            <a:noFill/>
+          </a:ln>
+        </p:spPr>
+      </p:pic>
+      <p:pic>
+        <p:nvPicPr>
+          <p:cNvPr id="120" name="Google Shape;120;p14"/>
+          <p:cNvPicPr preferRelativeResize="0"/>
+          <p:nvPr/>
+        </p:nvPicPr>
+        <p:blipFill>
+          <a:blip r:embed="rId5">
+            <a:alphaModFix/>
+          </a:blip>
+          <a:stretch>
+            <a:fillRect/>
+          </a:stretch>
+        </p:blipFill>
+        <p:spPr>
+          <a:xfrm>
+            <a:off x="1135480" y="1539871"/>
+            <a:ext cx="1800225" cy="1876425"/>
+          </a:xfrm>
+          <a:prstGeom prst="rect">
+            <a:avLst/>
+          </a:prstGeom>
+          <a:noFill/>
+          <a:ln>
+            <a:noFill/>
+          </a:ln>
+        </p:spPr>
+      </p:pic>
+      <p:pic>
+        <p:nvPicPr>
+          <p:cNvPr id="122" name="Google Shape;122;p14"/>
+          <p:cNvPicPr preferRelativeResize="0"/>
+          <p:nvPr/>
+        </p:nvPicPr>
+        <p:blipFill>
+          <a:blip r:embed="rId6">
+            <a:alphaModFix/>
+          </a:blip>
+          <a:stretch>
+            <a:fillRect/>
+          </a:stretch>
+        </p:blipFill>
+        <p:spPr>
+          <a:xfrm>
+            <a:off x="6935600" y="2069652"/>
+            <a:ext cx="2183724" cy="895243"/>
+          </a:xfrm>
+          <a:prstGeom prst="rect">
+            <a:avLst/>
+          </a:prstGeom>
+          <a:noFill/>
+          <a:ln>
+            <a:noFill/>
+          </a:ln>
+        </p:spPr>
+      </p:pic>
+      <p:sp>
+        <p:nvSpPr>
+          <p:cNvPr id="2" name="TextBox 1"/>
+          <p:cNvSpPr txBox="1"/>
+          <p:nvPr/>
+        </p:nvSpPr>
+        <p:spPr>
+          <a:xfrm>
+            <a:off x="530706" y="1055072"/>
+            <a:ext cx="2654544" cy="400110"/>
+          </a:xfrm>
+          <a:prstGeom prst="rect">
+            <a:avLst/>
+          </a:prstGeom>
+          <a:noFill/>
+        </p:spPr>
+        <p:txBody>
+          <a:bodyPr wrap="square" rtlCol="0">
+            <a:spAutoFit/>
+          </a:bodyPr>
+          <a:lstStyle/>
+          <a:p>
+            <a:pPr marL="285750" indent="-285750">
+              <a:buFont typeface="Arial" panose="020B0604020202020204" pitchFamily="34" charset="0"/>
+              <a:buChar char="•"/>
+            </a:pPr>
+            <a:r>
+              <a:rPr lang="ko-KR" altLang="en-US" sz="2000" b="1" dirty="0" smtClean="0"/>
+              <a:t>데이터베이스 관련</a:t>
+            </a:r>
+            <a:endParaRPr lang="ko-KR" altLang="en-US" sz="2000" b="1" dirty="0"/>
+          </a:p>
+        </p:txBody>
+      </p:sp>
+      <p:sp>
+        <p:nvSpPr>
+          <p:cNvPr id="17" name="TextBox 16"/>
+          <p:cNvSpPr txBox="1"/>
+          <p:nvPr/>
+        </p:nvSpPr>
+        <p:spPr>
+          <a:xfrm>
+            <a:off x="530706" y="3580919"/>
+            <a:ext cx="3766975" cy="400110"/>
+          </a:xfrm>
+          <a:prstGeom prst="rect">
+            <a:avLst/>
+          </a:prstGeom>
+          <a:noFill/>
+        </p:spPr>
+        <p:txBody>
+          <a:bodyPr wrap="square" rtlCol="0">
+            <a:spAutoFit/>
+          </a:bodyPr>
+          <a:lstStyle/>
+          <a:p>
+            <a:pPr marL="285750" indent="-285750">
+              <a:buFont typeface="Arial" panose="020B0604020202020204" pitchFamily="34" charset="0"/>
+              <a:buChar char="•"/>
+            </a:pPr>
+            <a:r>
+              <a:rPr lang="ko-KR" altLang="en-US" sz="2000" b="1" dirty="0" smtClean="0"/>
+              <a:t>통합개발환경 및 플러그인</a:t>
+            </a:r>
+            <a:endParaRPr lang="ko-KR" altLang="en-US" sz="2000" b="1" dirty="0"/>
+          </a:p>
+        </p:txBody>
+      </p:sp>
+      <p:pic>
+        <p:nvPicPr>
+          <p:cNvPr id="3" name="그림 2"/>
+          <p:cNvPicPr>
+            <a:picLocks noChangeAspect="1"/>
+          </p:cNvPicPr>
+          <p:nvPr/>
+        </p:nvPicPr>
+        <p:blipFill>
+          <a:blip r:embed="rId7"/>
+          <a:stretch>
+            <a:fillRect/>
+          </a:stretch>
+        </p:blipFill>
+        <p:spPr>
+          <a:xfrm>
+            <a:off x="4545050" y="4421730"/>
+            <a:ext cx="1466677" cy="1456665"/>
+          </a:xfrm>
+          <a:prstGeom prst="rect">
+            <a:avLst/>
+          </a:prstGeom>
+        </p:spPr>
+      </p:pic>
+      <p:pic>
+        <p:nvPicPr>
+          <p:cNvPr id="19" name="Google Shape;115;p14"/>
+          <p:cNvPicPr preferRelativeResize="0"/>
+          <p:nvPr/>
+        </p:nvPicPr>
+        <p:blipFill>
+          <a:blip r:embed="rId8">
+            <a:alphaModFix/>
+          </a:blip>
+          <a:stretch>
+            <a:fillRect/>
+          </a:stretch>
+        </p:blipFill>
+        <p:spPr>
+          <a:xfrm>
+            <a:off x="1135479" y="5214886"/>
+            <a:ext cx="2378429" cy="891880"/>
+          </a:xfrm>
+          <a:prstGeom prst="rect">
+            <a:avLst/>
+          </a:prstGeom>
+          <a:noFill/>
+          <a:ln>
+            <a:noFill/>
+          </a:ln>
+        </p:spPr>
+      </p:pic>
+      <p:pic>
+        <p:nvPicPr>
+          <p:cNvPr id="4" name="그림 3"/>
+          <p:cNvPicPr>
+            <a:picLocks noChangeAspect="1"/>
+          </p:cNvPicPr>
+          <p:nvPr/>
+        </p:nvPicPr>
+        <p:blipFill>
+          <a:blip r:embed="rId9"/>
+          <a:stretch>
+            <a:fillRect/>
+          </a:stretch>
+        </p:blipFill>
+        <p:spPr>
+          <a:xfrm>
+            <a:off x="6935600" y="4404018"/>
+            <a:ext cx="1922301" cy="1621735"/>
+          </a:xfrm>
+          <a:prstGeom prst="rect">
+            <a:avLst/>
+          </a:prstGeom>
+        </p:spPr>
+      </p:pic>
     </p:spTree>
+    <p:extLst>
+      <p:ext uri="{BB962C8B-B14F-4D97-AF65-F5344CB8AC3E}">
+        <p14:creationId xmlns:p14="http://schemas.microsoft.com/office/powerpoint/2010/main" val="3136010269"/>
+      </p:ext>
+    </p:extLst>
   </p:cSld>
   <p:clrMapOvr>
     <a:masterClrMapping/>
   </p:clrMapOvr>
+  <p:timing>
+    <p:tnLst>
+      <p:par>
+        <p:cTn id="1" dur="indefinite" restart="never" nodeType="tmRoot"/>
+      </p:par>
+    </p:tnLst>
+  </p:timing>
 </p:sld>
 </file>
 

--- a/documents/PPT문서양식.pptx
+++ b/documents/PPT문서양식.pptx
@@ -5,19 +5,18 @@
     <p:sldMasterId id="2147483652" r:id="rId1"/>
   </p:sldMasterIdLst>
   <p:notesMasterIdLst>
-    <p:notesMasterId r:id="rId12"/>
+    <p:notesMasterId r:id="rId11"/>
   </p:notesMasterIdLst>
   <p:sldIdLst>
     <p:sldId id="256" r:id="rId2"/>
     <p:sldId id="257" r:id="rId3"/>
-    <p:sldId id="259" r:id="rId4"/>
-    <p:sldId id="260" r:id="rId5"/>
-    <p:sldId id="261" r:id="rId6"/>
-    <p:sldId id="262" r:id="rId7"/>
-    <p:sldId id="263" r:id="rId8"/>
-    <p:sldId id="266" r:id="rId9"/>
-    <p:sldId id="267" r:id="rId10"/>
-    <p:sldId id="265" r:id="rId11"/>
+    <p:sldId id="260" r:id="rId4"/>
+    <p:sldId id="261" r:id="rId5"/>
+    <p:sldId id="262" r:id="rId6"/>
+    <p:sldId id="263" r:id="rId7"/>
+    <p:sldId id="266" r:id="rId8"/>
+    <p:sldId id="267" r:id="rId9"/>
+    <p:sldId id="265" r:id="rId10"/>
   </p:sldIdLst>
   <p:sldSz cx="9906000" cy="6858000" type="A4"/>
   <p:notesSz cx="6858000" cy="9144000"/>
@@ -1849,128 +1848,6 @@
 </p:notes>
 </file>
 
-<file path=ppt/notesSlides/notesSlide10.xml><?xml version="1.0" encoding="utf-8"?>
-<p:notes xmlns:a="http://schemas.openxmlformats.org/drawingml/2006/main" xmlns:r="http://schemas.openxmlformats.org/officeDocument/2006/relationships" xmlns:p="http://schemas.openxmlformats.org/presentationml/2006/main" showMasterSp="0" showMasterPhAnim="0">
-  <p:cSld>
-    <p:spTree>
-      <p:nvGrpSpPr>
-        <p:cNvPr id="1" name="Shape 123"/>
-        <p:cNvGrpSpPr/>
-        <p:nvPr/>
-      </p:nvGrpSpPr>
-      <p:grpSpPr>
-        <a:xfrm>
-          <a:off x="0" y="0"/>
-          <a:ext cx="0" cy="0"/>
-          <a:chOff x="0" y="0"/>
-          <a:chExt cx="0" cy="0"/>
-        </a:xfrm>
-      </p:grpSpPr>
-      <p:sp>
-        <p:nvSpPr>
-          <p:cNvPr id="124" name="Google Shape;124;g817d10648a_1_24:notes"/>
-          <p:cNvSpPr txBox="1">
-            <a:spLocks noGrp="1"/>
-          </p:cNvSpPr>
-          <p:nvPr>
-            <p:ph type="body" idx="1"/>
-          </p:nvPr>
-        </p:nvSpPr>
-        <p:spPr>
-          <a:xfrm>
-            <a:off x="685800" y="4400550"/>
-            <a:ext cx="5486400" cy="3600600"/>
-          </a:xfrm>
-          <a:prstGeom prst="rect">
-            <a:avLst/>
-          </a:prstGeom>
-          <a:noFill/>
-          <a:ln>
-            <a:noFill/>
-          </a:ln>
-        </p:spPr>
-        <p:txBody>
-          <a:bodyPr spcFirstLastPara="1" wrap="square" lIns="91425" tIns="45700" rIns="91425" bIns="45700" anchor="t" anchorCtr="0">
-            <a:noAutofit/>
-          </a:bodyPr>
-          <a:lstStyle/>
-          <a:p>
-            <a:pPr marL="0" lvl="0" indent="0" algn="l" rtl="0">
-              <a:lnSpc>
-                <a:spcPct val="100000"/>
-              </a:lnSpc>
-              <a:spcBef>
-                <a:spcPts val="0"/>
-              </a:spcBef>
-              <a:spcAft>
-                <a:spcPts val="0"/>
-              </a:spcAft>
-              <a:buSzPts val="1400"/>
-              <a:buNone/>
-            </a:pPr>
-            <a:endParaRPr/>
-          </a:p>
-        </p:txBody>
-      </p:sp>
-      <p:sp>
-        <p:nvSpPr>
-          <p:cNvPr id="125" name="Google Shape;125;g817d10648a_1_24:notes"/>
-          <p:cNvSpPr>
-            <a:spLocks noGrp="1" noRot="1" noChangeAspect="1"/>
-          </p:cNvSpPr>
-          <p:nvPr>
-            <p:ph type="sldImg" idx="2"/>
-          </p:nvPr>
-        </p:nvSpPr>
-        <p:spPr>
-          <a:xfrm>
-            <a:off x="1200150" y="1143000"/>
-            <a:ext cx="4457700" cy="3086100"/>
-          </a:xfrm>
-          <a:custGeom>
-            <a:avLst/>
-            <a:gdLst/>
-            <a:ahLst/>
-            <a:cxnLst/>
-            <a:rect l="l" t="t" r="r" b="b"/>
-            <a:pathLst>
-              <a:path w="120000" h="120000" extrusionOk="0">
-                <a:moveTo>
-                  <a:pt x="0" y="0"/>
-                </a:moveTo>
-                <a:lnTo>
-                  <a:pt x="120000" y="0"/>
-                </a:lnTo>
-                <a:lnTo>
-                  <a:pt x="120000" y="120000"/>
-                </a:lnTo>
-                <a:lnTo>
-                  <a:pt x="0" y="120000"/>
-                </a:lnTo>
-                <a:close/>
-              </a:path>
-            </a:pathLst>
-          </a:custGeom>
-          <a:noFill/>
-          <a:ln w="12700" cap="flat" cmpd="sng">
-            <a:solidFill>
-              <a:srgbClr val="000000"/>
-            </a:solidFill>
-            <a:prstDash val="solid"/>
-            <a:round/>
-            <a:headEnd type="none" w="sm" len="sm"/>
-            <a:tailEnd type="none" w="sm" len="sm"/>
-          </a:ln>
-        </p:spPr>
-      </p:sp>
-    </p:spTree>
-  </p:cSld>
-  <p:clrMapOvr>
-    <a:masterClrMapping/>
-  </p:clrMapOvr>
-</p:notes>
-</file>
-
 <file path=ppt/notesSlides/notesSlide2.xml><?xml version="1.0" encoding="utf-8"?>
 <p:notes xmlns:a="http://schemas.openxmlformats.org/drawingml/2006/main" xmlns:r="http://schemas.openxmlformats.org/officeDocument/2006/relationships" xmlns:p="http://schemas.openxmlformats.org/presentationml/2006/main" showMasterSp="0" showMasterPhAnim="0">
   <p:cSld>
@@ -2098,157 +1975,6 @@
   <p:cSld>
     <p:spTree>
       <p:nvGrpSpPr>
-        <p:cNvPr id="1" name="Shape 56"/>
-        <p:cNvGrpSpPr/>
-        <p:nvPr/>
-      </p:nvGrpSpPr>
-      <p:grpSpPr>
-        <a:xfrm>
-          <a:off x="0" y="0"/>
-          <a:ext cx="0" cy="0"/>
-          <a:chOff x="0" y="0"/>
-          <a:chExt cx="0" cy="0"/>
-        </a:xfrm>
-      </p:grpSpPr>
-      <p:sp>
-        <p:nvSpPr>
-          <p:cNvPr id="57" name="Google Shape;57;g817d1084fe_1_52:notes"/>
-          <p:cNvSpPr>
-            <a:spLocks noGrp="1" noRot="1" noChangeAspect="1"/>
-          </p:cNvSpPr>
-          <p:nvPr>
-            <p:ph type="sldImg" idx="2"/>
-          </p:nvPr>
-        </p:nvSpPr>
-        <p:spPr>
-          <a:xfrm>
-            <a:off x="1200150" y="1143000"/>
-            <a:ext cx="4457700" cy="3086100"/>
-          </a:xfrm>
-          <a:custGeom>
-            <a:avLst/>
-            <a:gdLst/>
-            <a:ahLst/>
-            <a:cxnLst/>
-            <a:rect l="l" t="t" r="r" b="b"/>
-            <a:pathLst>
-              <a:path w="120000" h="120000" extrusionOk="0">
-                <a:moveTo>
-                  <a:pt x="0" y="0"/>
-                </a:moveTo>
-                <a:lnTo>
-                  <a:pt x="120000" y="0"/>
-                </a:lnTo>
-                <a:lnTo>
-                  <a:pt x="120000" y="120000"/>
-                </a:lnTo>
-                <a:lnTo>
-                  <a:pt x="0" y="120000"/>
-                </a:lnTo>
-                <a:close/>
-              </a:path>
-            </a:pathLst>
-          </a:custGeom>
-        </p:spPr>
-      </p:sp>
-      <p:sp>
-        <p:nvSpPr>
-          <p:cNvPr id="58" name="Google Shape;58;g817d1084fe_1_52:notes"/>
-          <p:cNvSpPr txBox="1">
-            <a:spLocks noGrp="1"/>
-          </p:cNvSpPr>
-          <p:nvPr>
-            <p:ph type="body" idx="1"/>
-          </p:nvPr>
-        </p:nvSpPr>
-        <p:spPr>
-          <a:xfrm>
-            <a:off x="685800" y="4400550"/>
-            <a:ext cx="5486400" cy="3600600"/>
-          </a:xfrm>
-          <a:prstGeom prst="rect">
-            <a:avLst/>
-          </a:prstGeom>
-        </p:spPr>
-        <p:txBody>
-          <a:bodyPr spcFirstLastPara="1" wrap="square" lIns="91425" tIns="45700" rIns="91425" bIns="45700" anchor="t" anchorCtr="0">
-            <a:noAutofit/>
-          </a:bodyPr>
-          <a:lstStyle/>
-          <a:p>
-            <a:pPr marL="0" lvl="0" indent="0" algn="l" rtl="0">
-              <a:spcBef>
-                <a:spcPts val="0"/>
-              </a:spcBef>
-              <a:spcAft>
-                <a:spcPts val="0"/>
-              </a:spcAft>
-              <a:buNone/>
-            </a:pPr>
-            <a:endParaRPr/>
-          </a:p>
-        </p:txBody>
-      </p:sp>
-      <p:sp>
-        <p:nvSpPr>
-          <p:cNvPr id="59" name="Google Shape;59;g817d1084fe_1_52:notes"/>
-          <p:cNvSpPr txBox="1">
-            <a:spLocks noGrp="1"/>
-          </p:cNvSpPr>
-          <p:nvPr>
-            <p:ph type="sldNum" idx="12"/>
-          </p:nvPr>
-        </p:nvSpPr>
-        <p:spPr>
-          <a:xfrm>
-            <a:off x="3884613" y="8685213"/>
-            <a:ext cx="2971800" cy="458700"/>
-          </a:xfrm>
-          <a:prstGeom prst="rect">
-            <a:avLst/>
-          </a:prstGeom>
-        </p:spPr>
-        <p:txBody>
-          <a:bodyPr spcFirstLastPara="1" wrap="square" lIns="91425" tIns="45700" rIns="91425" bIns="45700" anchor="b" anchorCtr="0">
-            <a:noAutofit/>
-          </a:bodyPr>
-          <a:lstStyle/>
-          <a:p>
-            <a:pPr marL="0" lvl="0" indent="0" algn="r" rtl="0">
-              <a:spcBef>
-                <a:spcPts val="0"/>
-              </a:spcBef>
-              <a:spcAft>
-                <a:spcPts val="0"/>
-              </a:spcAft>
-              <a:buClr>
-                <a:srgbClr val="000000"/>
-              </a:buClr>
-              <a:buSzPts val="1200"/>
-              <a:buFont typeface="Arial"/>
-              <a:buNone/>
-            </a:pPr>
-            <a:fld id="{00000000-1234-1234-1234-123412341234}" type="slidenum">
-              <a:rPr lang="en-US" altLang="ko-KR"/>
-              <a:t>2</a:t>
-            </a:fld>
-            <a:endParaRPr/>
-          </a:p>
-        </p:txBody>
-      </p:sp>
-    </p:spTree>
-  </p:cSld>
-  <p:clrMapOvr>
-    <a:masterClrMapping/>
-  </p:clrMapOvr>
-</p:notes>
-</file>
-
-<file path=ppt/notesSlides/notesSlide4.xml><?xml version="1.0" encoding="utf-8"?>
-<p:notes xmlns:a="http://schemas.openxmlformats.org/drawingml/2006/main" xmlns:r="http://schemas.openxmlformats.org/officeDocument/2006/relationships" xmlns:p="http://schemas.openxmlformats.org/presentationml/2006/main" showMasterSp="0" showMasterPhAnim="0">
-  <p:cSld>
-    <p:spTree>
-      <p:nvGrpSpPr>
         <p:cNvPr id="1" name="Shape 66"/>
         <p:cNvGrpSpPr/>
         <p:nvPr/>
@@ -2366,7 +2092,7 @@
 </p:notes>
 </file>
 
-<file path=ppt/notesSlides/notesSlide5.xml><?xml version="1.0" encoding="utf-8"?>
+<file path=ppt/notesSlides/notesSlide4.xml><?xml version="1.0" encoding="utf-8"?>
 <p:notes xmlns:a="http://schemas.openxmlformats.org/drawingml/2006/main" xmlns:r="http://schemas.openxmlformats.org/officeDocument/2006/relationships" xmlns:p="http://schemas.openxmlformats.org/presentationml/2006/main" showMasterSp="0" showMasterPhAnim="0">
   <p:cSld>
     <p:spTree>
@@ -2488,7 +2214,7 @@
 </p:notes>
 </file>
 
-<file path=ppt/notesSlides/notesSlide6.xml><?xml version="1.0" encoding="utf-8"?>
+<file path=ppt/notesSlides/notesSlide5.xml><?xml version="1.0" encoding="utf-8"?>
 <p:notes xmlns:a="http://schemas.openxmlformats.org/drawingml/2006/main" xmlns:r="http://schemas.openxmlformats.org/officeDocument/2006/relationships" xmlns:p="http://schemas.openxmlformats.org/presentationml/2006/main" showMasterSp="0" showMasterPhAnim="0">
   <p:cSld>
     <p:spTree>
@@ -2610,7 +2336,7 @@
 </p:notes>
 </file>
 
-<file path=ppt/notesSlides/notesSlide7.xml><?xml version="1.0" encoding="utf-8"?>
+<file path=ppt/notesSlides/notesSlide6.xml><?xml version="1.0" encoding="utf-8"?>
 <p:notes xmlns:a="http://schemas.openxmlformats.org/drawingml/2006/main" xmlns:r="http://schemas.openxmlformats.org/officeDocument/2006/relationships" xmlns:p="http://schemas.openxmlformats.org/presentationml/2006/main" showMasterSp="0" showMasterPhAnim="0">
   <p:cSld>
     <p:spTree>
@@ -2732,7 +2458,7 @@
 </p:notes>
 </file>
 
-<file path=ppt/notesSlides/notesSlide8.xml><?xml version="1.0" encoding="utf-8"?>
+<file path=ppt/notesSlides/notesSlide7.xml><?xml version="1.0" encoding="utf-8"?>
 <p:notes xmlns:a="http://schemas.openxmlformats.org/drawingml/2006/main" xmlns:r="http://schemas.openxmlformats.org/officeDocument/2006/relationships" xmlns:p="http://schemas.openxmlformats.org/presentationml/2006/main" showMasterSp="0" showMasterPhAnim="0">
   <p:cSld>
     <p:spTree>
@@ -2859,7 +2585,7 @@
 </p:notes>
 </file>
 
-<file path=ppt/notesSlides/notesSlide9.xml><?xml version="1.0" encoding="utf-8"?>
+<file path=ppt/notesSlides/notesSlide8.xml><?xml version="1.0" encoding="utf-8"?>
 <p:notes xmlns:a="http://schemas.openxmlformats.org/drawingml/2006/main" xmlns:r="http://schemas.openxmlformats.org/officeDocument/2006/relationships" xmlns:p="http://schemas.openxmlformats.org/presentationml/2006/main" showMasterSp="0" showMasterPhAnim="0">
   <p:cSld>
     <p:spTree>
@@ -2979,6 +2705,128 @@
         <p14:creationId xmlns:p14="http://schemas.microsoft.com/office/powerpoint/2010/main" val="2218546706"/>
       </p:ext>
     </p:extLst>
+  </p:cSld>
+  <p:clrMapOvr>
+    <a:masterClrMapping/>
+  </p:clrMapOvr>
+</p:notes>
+</file>
+
+<file path=ppt/notesSlides/notesSlide9.xml><?xml version="1.0" encoding="utf-8"?>
+<p:notes xmlns:a="http://schemas.openxmlformats.org/drawingml/2006/main" xmlns:r="http://schemas.openxmlformats.org/officeDocument/2006/relationships" xmlns:p="http://schemas.openxmlformats.org/presentationml/2006/main" showMasterSp="0" showMasterPhAnim="0">
+  <p:cSld>
+    <p:spTree>
+      <p:nvGrpSpPr>
+        <p:cNvPr id="1" name="Shape 123"/>
+        <p:cNvGrpSpPr/>
+        <p:nvPr/>
+      </p:nvGrpSpPr>
+      <p:grpSpPr>
+        <a:xfrm>
+          <a:off x="0" y="0"/>
+          <a:ext cx="0" cy="0"/>
+          <a:chOff x="0" y="0"/>
+          <a:chExt cx="0" cy="0"/>
+        </a:xfrm>
+      </p:grpSpPr>
+      <p:sp>
+        <p:nvSpPr>
+          <p:cNvPr id="124" name="Google Shape;124;g817d10648a_1_24:notes"/>
+          <p:cNvSpPr txBox="1">
+            <a:spLocks noGrp="1"/>
+          </p:cNvSpPr>
+          <p:nvPr>
+            <p:ph type="body" idx="1"/>
+          </p:nvPr>
+        </p:nvSpPr>
+        <p:spPr>
+          <a:xfrm>
+            <a:off x="685800" y="4400550"/>
+            <a:ext cx="5486400" cy="3600600"/>
+          </a:xfrm>
+          <a:prstGeom prst="rect">
+            <a:avLst/>
+          </a:prstGeom>
+          <a:noFill/>
+          <a:ln>
+            <a:noFill/>
+          </a:ln>
+        </p:spPr>
+        <p:txBody>
+          <a:bodyPr spcFirstLastPara="1" wrap="square" lIns="91425" tIns="45700" rIns="91425" bIns="45700" anchor="t" anchorCtr="0">
+            <a:noAutofit/>
+          </a:bodyPr>
+          <a:lstStyle/>
+          <a:p>
+            <a:pPr marL="0" lvl="0" indent="0" algn="l" rtl="0">
+              <a:lnSpc>
+                <a:spcPct val="100000"/>
+              </a:lnSpc>
+              <a:spcBef>
+                <a:spcPts val="0"/>
+              </a:spcBef>
+              <a:spcAft>
+                <a:spcPts val="0"/>
+              </a:spcAft>
+              <a:buSzPts val="1400"/>
+              <a:buNone/>
+            </a:pPr>
+            <a:endParaRPr/>
+          </a:p>
+        </p:txBody>
+      </p:sp>
+      <p:sp>
+        <p:nvSpPr>
+          <p:cNvPr id="125" name="Google Shape;125;g817d10648a_1_24:notes"/>
+          <p:cNvSpPr>
+            <a:spLocks noGrp="1" noRot="1" noChangeAspect="1"/>
+          </p:cNvSpPr>
+          <p:nvPr>
+            <p:ph type="sldImg" idx="2"/>
+          </p:nvPr>
+        </p:nvSpPr>
+        <p:spPr>
+          <a:xfrm>
+            <a:off x="1200150" y="1143000"/>
+            <a:ext cx="4457700" cy="3086100"/>
+          </a:xfrm>
+          <a:custGeom>
+            <a:avLst/>
+            <a:gdLst/>
+            <a:ahLst/>
+            <a:cxnLst/>
+            <a:rect l="l" t="t" r="r" b="b"/>
+            <a:pathLst>
+              <a:path w="120000" h="120000" extrusionOk="0">
+                <a:moveTo>
+                  <a:pt x="0" y="0"/>
+                </a:moveTo>
+                <a:lnTo>
+                  <a:pt x="120000" y="0"/>
+                </a:lnTo>
+                <a:lnTo>
+                  <a:pt x="120000" y="120000"/>
+                </a:lnTo>
+                <a:lnTo>
+                  <a:pt x="0" y="120000"/>
+                </a:lnTo>
+                <a:close/>
+              </a:path>
+            </a:pathLst>
+          </a:custGeom>
+          <a:noFill/>
+          <a:ln w="12700" cap="flat" cmpd="sng">
+            <a:solidFill>
+              <a:srgbClr val="000000"/>
+            </a:solidFill>
+            <a:prstDash val="solid"/>
+            <a:round/>
+            <a:headEnd type="none" w="sm" len="sm"/>
+            <a:tailEnd type="none" w="sm" len="sm"/>
+          </a:ln>
+        </p:spPr>
+      </p:sp>
+    </p:spTree>
   </p:cSld>
   <p:clrMapOvr>
     <a:masterClrMapping/>
@@ -7214,171 +7062,6 @@
 </p:sld>
 </file>
 
-<file path=ppt/slides/slide10.xml><?xml version="1.0" encoding="utf-8"?>
-<p:sld xmlns:a="http://schemas.openxmlformats.org/drawingml/2006/main" xmlns:r="http://schemas.openxmlformats.org/officeDocument/2006/relationships" xmlns:p="http://schemas.openxmlformats.org/presentationml/2006/main">
-  <p:cSld>
-    <p:spTree>
-      <p:nvGrpSpPr>
-        <p:cNvPr id="1" name="Shape 126"/>
-        <p:cNvGrpSpPr/>
-        <p:nvPr/>
-      </p:nvGrpSpPr>
-      <p:grpSpPr>
-        <a:xfrm>
-          <a:off x="0" y="0"/>
-          <a:ext cx="0" cy="0"/>
-          <a:chOff x="0" y="0"/>
-          <a:chExt cx="0" cy="0"/>
-        </a:xfrm>
-      </p:grpSpPr>
-      <p:sp>
-        <p:nvSpPr>
-          <p:cNvPr id="127" name="Google Shape;127;p15"/>
-          <p:cNvSpPr txBox="1">
-            <a:spLocks noGrp="1"/>
-          </p:cNvSpPr>
-          <p:nvPr>
-            <p:ph type="title"/>
-          </p:nvPr>
-        </p:nvSpPr>
-        <p:spPr>
-          <a:xfrm>
-            <a:off x="273050" y="116632"/>
-            <a:ext cx="8544000" cy="504000"/>
-          </a:xfrm>
-          <a:prstGeom prst="rect">
-            <a:avLst/>
-          </a:prstGeom>
-          <a:noFill/>
-          <a:ln>
-            <a:noFill/>
-          </a:ln>
-        </p:spPr>
-        <p:txBody>
-          <a:bodyPr spcFirstLastPara="1" wrap="square" lIns="91425" tIns="45700" rIns="91425" bIns="45700" anchor="ctr" anchorCtr="0">
-            <a:noAutofit/>
-          </a:bodyPr>
-          <a:lstStyle/>
-          <a:p>
-            <a:pPr marL="0" lvl="0" indent="0" algn="l" rtl="0">
-              <a:lnSpc>
-                <a:spcPct val="100000"/>
-              </a:lnSpc>
-              <a:spcBef>
-                <a:spcPts val="0"/>
-              </a:spcBef>
-              <a:spcAft>
-                <a:spcPts val="0"/>
-              </a:spcAft>
-              <a:buClr>
-                <a:srgbClr val="000000"/>
-              </a:buClr>
-              <a:buSzPts val="2400"/>
-              <a:buFont typeface="Malgun Gothic"/>
-              <a:buNone/>
-            </a:pPr>
-            <a:r>
-              <a:rPr lang="ko-KR"/>
-              <a:t>시스템 구성도</a:t>
-            </a:r>
-            <a:endParaRPr/>
-          </a:p>
-        </p:txBody>
-      </p:sp>
-      <p:sp>
-        <p:nvSpPr>
-          <p:cNvPr id="128" name="Google Shape;128;p15"/>
-          <p:cNvSpPr txBox="1">
-            <a:spLocks noGrp="1"/>
-          </p:cNvSpPr>
-          <p:nvPr>
-            <p:ph type="sldNum" idx="12"/>
-          </p:nvPr>
-        </p:nvSpPr>
-        <p:spPr>
-          <a:xfrm>
-            <a:off x="3838575" y="6622617"/>
-            <a:ext cx="2229000" cy="235500"/>
-          </a:xfrm>
-          <a:prstGeom prst="rect">
-            <a:avLst/>
-          </a:prstGeom>
-          <a:noFill/>
-          <a:ln>
-            <a:noFill/>
-          </a:ln>
-        </p:spPr>
-        <p:txBody>
-          <a:bodyPr spcFirstLastPara="1" wrap="square" lIns="91425" tIns="45700" rIns="91425" bIns="45700" anchor="ctr" anchorCtr="0">
-            <a:noAutofit/>
-          </a:bodyPr>
-          <a:lstStyle/>
-          <a:p>
-            <a:pPr marL="0" lvl="0" indent="0" algn="ctr" rtl="0">
-              <a:lnSpc>
-                <a:spcPct val="100000"/>
-              </a:lnSpc>
-              <a:spcBef>
-                <a:spcPts val="0"/>
-              </a:spcBef>
-              <a:spcAft>
-                <a:spcPts val="0"/>
-              </a:spcAft>
-              <a:buSzPts val="1100"/>
-              <a:buNone/>
-            </a:pPr>
-            <a:r>
-              <a:rPr lang="ko-KR"/>
-              <a:t>- </a:t>
-            </a:r>
-            <a:fld id="{00000000-1234-1234-1234-123412341234}" type="slidenum">
-              <a:rPr lang="en-US" altLang="ko-KR"/>
-              <a:t>9</a:t>
-            </a:fld>
-            <a:r>
-              <a:rPr lang="ko-KR"/>
-              <a:t> -</a:t>
-            </a:r>
-            <a:endParaRPr/>
-          </a:p>
-        </p:txBody>
-      </p:sp>
-      <p:pic>
-        <p:nvPicPr>
-          <p:cNvPr id="129" name="Google Shape;129;p15"/>
-          <p:cNvPicPr preferRelativeResize="0"/>
-          <p:nvPr/>
-        </p:nvPicPr>
-        <p:blipFill>
-          <a:blip r:embed="rId3">
-            <a:alphaModFix/>
-          </a:blip>
-          <a:stretch>
-            <a:fillRect/>
-          </a:stretch>
-        </p:blipFill>
-        <p:spPr>
-          <a:xfrm>
-            <a:off x="425450" y="1303024"/>
-            <a:ext cx="9191799" cy="4726575"/>
-          </a:xfrm>
-          <a:prstGeom prst="rect">
-            <a:avLst/>
-          </a:prstGeom>
-          <a:noFill/>
-          <a:ln>
-            <a:noFill/>
-          </a:ln>
-        </p:spPr>
-      </p:pic>
-    </p:spTree>
-  </p:cSld>
-  <p:clrMapOvr>
-    <a:masterClrMapping/>
-  </p:clrMapOvr>
-</p:sld>
-</file>
-
 <file path=ppt/slides/slide2.xml><?xml version="1.0" encoding="utf-8"?>
 <p:sld xmlns:a="http://schemas.openxmlformats.org/drawingml/2006/main" xmlns:r="http://schemas.openxmlformats.org/officeDocument/2006/relationships" xmlns:p="http://schemas.openxmlformats.org/presentationml/2006/main">
   <p:cSld>
@@ -7636,172 +7319,6 @@
   <p:cSld>
     <p:spTree>
       <p:nvGrpSpPr>
-        <p:cNvPr id="1" name="Shape 60"/>
-        <p:cNvGrpSpPr/>
-        <p:nvPr/>
-      </p:nvGrpSpPr>
-      <p:grpSpPr>
-        <a:xfrm>
-          <a:off x="0" y="0"/>
-          <a:ext cx="0" cy="0"/>
-          <a:chOff x="0" y="0"/>
-          <a:chExt cx="0" cy="0"/>
-        </a:xfrm>
-      </p:grpSpPr>
-      <p:sp>
-        <p:nvSpPr>
-          <p:cNvPr id="61" name="Google Shape;61;p9"/>
-          <p:cNvSpPr txBox="1">
-            <a:spLocks noGrp="1"/>
-          </p:cNvSpPr>
-          <p:nvPr>
-            <p:ph type="sldNum" idx="12"/>
-          </p:nvPr>
-        </p:nvSpPr>
-        <p:spPr>
-          <a:xfrm>
-            <a:off x="3838575" y="6622617"/>
-            <a:ext cx="2229000" cy="235500"/>
-          </a:xfrm>
-          <a:prstGeom prst="rect">
-            <a:avLst/>
-          </a:prstGeom>
-        </p:spPr>
-        <p:txBody>
-          <a:bodyPr spcFirstLastPara="1" wrap="square" lIns="91425" tIns="45700" rIns="91425" bIns="45700" anchor="ctr" anchorCtr="0">
-            <a:noAutofit/>
-          </a:bodyPr>
-          <a:lstStyle/>
-          <a:p>
-            <a:pPr marL="0" lvl="0" indent="0" algn="ctr" rtl="0">
-              <a:spcBef>
-                <a:spcPts val="0"/>
-              </a:spcBef>
-              <a:spcAft>
-                <a:spcPts val="0"/>
-              </a:spcAft>
-              <a:buNone/>
-            </a:pPr>
-            <a:r>
-              <a:rPr lang="ko-KR"/>
-              <a:t>- </a:t>
-            </a:r>
-            <a:fld id="{00000000-1234-1234-1234-123412341234}" type="slidenum">
-              <a:rPr lang="en-US" altLang="ko-KR"/>
-              <a:t>2</a:t>
-            </a:fld>
-            <a:r>
-              <a:rPr lang="ko-KR"/>
-              <a:t> -</a:t>
-            </a:r>
-            <a:endParaRPr/>
-          </a:p>
-        </p:txBody>
-      </p:sp>
-      <p:pic>
-        <p:nvPicPr>
-          <p:cNvPr id="62" name="Google Shape;62;p9"/>
-          <p:cNvPicPr preferRelativeResize="0"/>
-          <p:nvPr/>
-        </p:nvPicPr>
-        <p:blipFill>
-          <a:blip r:embed="rId3">
-            <a:alphaModFix/>
-          </a:blip>
-          <a:stretch>
-            <a:fillRect/>
-          </a:stretch>
-        </p:blipFill>
-        <p:spPr>
-          <a:xfrm>
-            <a:off x="3163325" y="202300"/>
-            <a:ext cx="3086100" cy="6858000"/>
-          </a:xfrm>
-          <a:prstGeom prst="rect">
-            <a:avLst/>
-          </a:prstGeom>
-          <a:noFill/>
-          <a:ln>
-            <a:noFill/>
-          </a:ln>
-        </p:spPr>
-      </p:pic>
-      <p:pic>
-        <p:nvPicPr>
-          <p:cNvPr id="63" name="Google Shape;63;p9"/>
-          <p:cNvPicPr preferRelativeResize="0"/>
-          <p:nvPr/>
-        </p:nvPicPr>
-        <p:blipFill>
-          <a:blip r:embed="rId4">
-            <a:alphaModFix/>
-          </a:blip>
-          <a:stretch>
-            <a:fillRect/>
-          </a:stretch>
-        </p:blipFill>
-        <p:spPr>
-          <a:xfrm>
-            <a:off x="5319863" y="74000"/>
-            <a:ext cx="3086100" cy="6858000"/>
-          </a:xfrm>
-          <a:prstGeom prst="rect">
-            <a:avLst/>
-          </a:prstGeom>
-          <a:noFill/>
-          <a:ln>
-            <a:noFill/>
-          </a:ln>
-        </p:spPr>
-      </p:pic>
-      <p:pic>
-        <p:nvPicPr>
-          <p:cNvPr id="64" name="Google Shape;64;p9"/>
-          <p:cNvPicPr preferRelativeResize="0"/>
-          <p:nvPr/>
-        </p:nvPicPr>
-        <p:blipFill>
-          <a:blip r:embed="rId5">
-            <a:alphaModFix/>
-          </a:blip>
-          <a:stretch>
-            <a:fillRect/>
-          </a:stretch>
-        </p:blipFill>
-        <p:spPr>
-          <a:xfrm>
-            <a:off x="8089900" y="-235375"/>
-            <a:ext cx="3086100" cy="6858000"/>
-          </a:xfrm>
-          <a:prstGeom prst="rect">
-            <a:avLst/>
-          </a:prstGeom>
-          <a:noFill/>
-          <a:ln>
-            <a:noFill/>
-          </a:ln>
-        </p:spPr>
-      </p:pic>
-    </p:spTree>
-  </p:cSld>
-  <p:clrMapOvr>
-    <a:masterClrMapping/>
-  </p:clrMapOvr>
-  <p:timing>
-    <p:tnLst>
-      <p:par>
-        <p:cTn id="1" dur="indefinite" restart="never" nodeType="tmRoot"/>
-      </p:par>
-    </p:tnLst>
-  </p:timing>
-</p:sld>
-</file>
-
-<file path=ppt/slides/slide4.xml><?xml version="1.0" encoding="utf-8"?>
-<p:sld xmlns:a="http://schemas.openxmlformats.org/drawingml/2006/main" xmlns:r="http://schemas.openxmlformats.org/officeDocument/2006/relationships" xmlns:p="http://schemas.openxmlformats.org/presentationml/2006/main">
-  <p:cSld>
-    <p:spTree>
-      <p:nvGrpSpPr>
         <p:cNvPr id="1" name="Shape 69"/>
         <p:cNvGrpSpPr/>
         <p:nvPr/>
@@ -8065,7 +7582,7 @@
             </a:r>
             <a:fld id="{00000000-1234-1234-1234-123412341234}" type="slidenum">
               <a:rPr lang="en-US" altLang="ko-KR"/>
-              <a:t>3</a:t>
+              <a:t>2</a:t>
             </a:fld>
             <a:r>
               <a:rPr lang="ko-KR"/>
@@ -8080,10 +7597,17 @@
   <p:clrMapOvr>
     <a:masterClrMapping/>
   </p:clrMapOvr>
+  <p:timing>
+    <p:tnLst>
+      <p:par>
+        <p:cTn id="1" dur="indefinite" restart="never" nodeType="tmRoot"/>
+      </p:par>
+    </p:tnLst>
+  </p:timing>
 </p:sld>
 </file>
 
-<file path=ppt/slides/slide5.xml><?xml version="1.0" encoding="utf-8"?>
+<file path=ppt/slides/slide4.xml><?xml version="1.0" encoding="utf-8"?>
 <p:sld xmlns:a="http://schemas.openxmlformats.org/drawingml/2006/main" xmlns:r="http://schemas.openxmlformats.org/officeDocument/2006/relationships" xmlns:p="http://schemas.openxmlformats.org/presentationml/2006/main">
   <p:cSld>
     <p:spTree>
@@ -8337,7 +7861,7 @@
             </a:r>
             <a:fld id="{00000000-1234-1234-1234-123412341234}" type="slidenum">
               <a:rPr lang="en-US" altLang="ko-KR"/>
-              <a:t>4</a:t>
+              <a:t>3</a:t>
             </a:fld>
             <a:r>
               <a:rPr lang="ko-KR"/>
@@ -8352,10 +7876,17 @@
   <p:clrMapOvr>
     <a:masterClrMapping/>
   </p:clrMapOvr>
+  <p:timing>
+    <p:tnLst>
+      <p:par>
+        <p:cTn id="1" dur="indefinite" restart="never" nodeType="tmRoot"/>
+      </p:par>
+    </p:tnLst>
+  </p:timing>
 </p:sld>
 </file>
 
-<file path=ppt/slides/slide6.xml><?xml version="1.0" encoding="utf-8"?>
+<file path=ppt/slides/slide5.xml><?xml version="1.0" encoding="utf-8"?>
 <p:sld xmlns:a="http://schemas.openxmlformats.org/drawingml/2006/main" xmlns:r="http://schemas.openxmlformats.org/officeDocument/2006/relationships" xmlns:p="http://schemas.openxmlformats.org/presentationml/2006/main">
   <p:cSld>
     <p:spTree>
@@ -8474,7 +8005,7 @@
             </a:r>
             <a:fld id="{00000000-1234-1234-1234-123412341234}" type="slidenum">
               <a:rPr lang="en-US" altLang="ko-KR"/>
-              <a:t>5</a:t>
+              <a:t>4</a:t>
             </a:fld>
             <a:r>
               <a:rPr lang="ko-KR"/>
@@ -8571,15 +8102,51 @@
               <a:buNone/>
             </a:pPr>
             <a:r>
-              <a:rPr lang="ko-KR">
+              <a:rPr lang="ko-KR" dirty="0">
                 <a:latin typeface="Malgun Gothic"/>
                 <a:ea typeface="Malgun Gothic"/>
                 <a:cs typeface="Malgun Gothic"/>
                 <a:sym typeface="Malgun Gothic"/>
               </a:rPr>
-              <a:t>[프로그램 팀원]</a:t>
+              <a:t>[</a:t>
             </a:r>
-            <a:endParaRPr>
+            <a:r>
+              <a:rPr lang="ko-KR" dirty="0" smtClean="0">
+                <a:latin typeface="Malgun Gothic"/>
+                <a:ea typeface="Malgun Gothic"/>
+                <a:cs typeface="Malgun Gothic"/>
+                <a:sym typeface="Malgun Gothic"/>
+              </a:rPr>
+              <a:t>프로</a:t>
+            </a:r>
+            <a:r>
+              <a:rPr lang="ko-KR" altLang="en-US" dirty="0" smtClean="0">
+                <a:latin typeface="Malgun Gothic"/>
+                <a:ea typeface="Malgun Gothic"/>
+                <a:cs typeface="Malgun Gothic"/>
+                <a:sym typeface="Malgun Gothic"/>
+              </a:rPr>
+              <a:t>젝트</a:t>
+            </a:r>
+            <a:r>
+              <a:rPr lang="ko-KR" dirty="0" smtClean="0">
+                <a:latin typeface="Malgun Gothic"/>
+                <a:ea typeface="Malgun Gothic"/>
+                <a:cs typeface="Malgun Gothic"/>
+                <a:sym typeface="Malgun Gothic"/>
+              </a:rPr>
+              <a:t> </a:t>
+            </a:r>
+            <a:r>
+              <a:rPr lang="ko-KR" dirty="0">
+                <a:latin typeface="Malgun Gothic"/>
+                <a:ea typeface="Malgun Gothic"/>
+                <a:cs typeface="Malgun Gothic"/>
+                <a:sym typeface="Malgun Gothic"/>
+              </a:rPr>
+              <a:t>팀원]</a:t>
+            </a:r>
+            <a:endParaRPr dirty="0">
               <a:latin typeface="Malgun Gothic"/>
               <a:ea typeface="Malgun Gothic"/>
               <a:cs typeface="Malgun Gothic"/>
@@ -8623,15 +8190,51 @@
               <a:buNone/>
             </a:pPr>
             <a:r>
-              <a:rPr lang="ko-KR">
+              <a:rPr lang="ko-KR" dirty="0">
                 <a:latin typeface="Malgun Gothic"/>
                 <a:ea typeface="Malgun Gothic"/>
                 <a:cs typeface="Malgun Gothic"/>
                 <a:sym typeface="Malgun Gothic"/>
               </a:rPr>
-              <a:t>[프로그램 팀원]</a:t>
+              <a:t>[</a:t>
             </a:r>
-            <a:endParaRPr>
+            <a:r>
+              <a:rPr lang="ko-KR" dirty="0" smtClean="0">
+                <a:latin typeface="Malgun Gothic"/>
+                <a:ea typeface="Malgun Gothic"/>
+                <a:cs typeface="Malgun Gothic"/>
+                <a:sym typeface="Malgun Gothic"/>
+              </a:rPr>
+              <a:t>프로</a:t>
+            </a:r>
+            <a:r>
+              <a:rPr lang="ko-KR" altLang="en-US" dirty="0" smtClean="0">
+                <a:latin typeface="Malgun Gothic"/>
+                <a:ea typeface="Malgun Gothic"/>
+                <a:cs typeface="Malgun Gothic"/>
+                <a:sym typeface="Malgun Gothic"/>
+              </a:rPr>
+              <a:t>젝트</a:t>
+            </a:r>
+            <a:r>
+              <a:rPr lang="ko-KR" dirty="0" smtClean="0">
+                <a:latin typeface="Malgun Gothic"/>
+                <a:ea typeface="Malgun Gothic"/>
+                <a:cs typeface="Malgun Gothic"/>
+                <a:sym typeface="Malgun Gothic"/>
+              </a:rPr>
+              <a:t> </a:t>
+            </a:r>
+            <a:r>
+              <a:rPr lang="ko-KR" dirty="0">
+                <a:latin typeface="Malgun Gothic"/>
+                <a:ea typeface="Malgun Gothic"/>
+                <a:cs typeface="Malgun Gothic"/>
+                <a:sym typeface="Malgun Gothic"/>
+              </a:rPr>
+              <a:t>팀원]</a:t>
+            </a:r>
+            <a:endParaRPr dirty="0">
               <a:latin typeface="Malgun Gothic"/>
               <a:ea typeface="Malgun Gothic"/>
               <a:cs typeface="Malgun Gothic"/>
@@ -9373,10 +8976,17 @@
   <p:clrMapOvr>
     <a:masterClrMapping/>
   </p:clrMapOvr>
+  <p:timing>
+    <p:tnLst>
+      <p:par>
+        <p:cTn id="1" dur="indefinite" restart="never" nodeType="tmRoot"/>
+      </p:par>
+    </p:tnLst>
+  </p:timing>
 </p:sld>
 </file>
 
-<file path=ppt/slides/slide7.xml><?xml version="1.0" encoding="utf-8"?>
+<file path=ppt/slides/slide6.xml><?xml version="1.0" encoding="utf-8"?>
 <p:sld xmlns:a="http://schemas.openxmlformats.org/drawingml/2006/main" xmlns:r="http://schemas.openxmlformats.org/officeDocument/2006/relationships" xmlns:p="http://schemas.openxmlformats.org/presentationml/2006/main">
   <p:cSld>
     <p:spTree>
@@ -9495,7 +9105,7 @@
             </a:r>
             <a:fld id="{00000000-1234-1234-1234-123412341234}" type="slidenum">
               <a:rPr lang="en-US" altLang="ko-KR"/>
-              <a:t>6</a:t>
+              <a:t>5</a:t>
             </a:fld>
             <a:r>
               <a:rPr lang="ko-KR"/>
@@ -9538,10 +9148,17 @@
   <p:clrMapOvr>
     <a:masterClrMapping/>
   </p:clrMapOvr>
+  <p:timing>
+    <p:tnLst>
+      <p:par>
+        <p:cTn id="1" dur="indefinite" restart="never" nodeType="tmRoot"/>
+      </p:par>
+    </p:tnLst>
+  </p:timing>
 </p:sld>
 </file>
 
-<file path=ppt/slides/slide8.xml><?xml version="1.0" encoding="utf-8"?>
+<file path=ppt/slides/slide7.xml><?xml version="1.0" encoding="utf-8"?>
 <p:sld xmlns:a="http://schemas.openxmlformats.org/drawingml/2006/main" xmlns:r="http://schemas.openxmlformats.org/officeDocument/2006/relationships" xmlns:p="http://schemas.openxmlformats.org/presentationml/2006/main">
   <p:cSld>
     <p:spTree>
@@ -9660,7 +9277,7 @@
             </a:r>
             <a:fld id="{00000000-1234-1234-1234-123412341234}" type="slidenum">
               <a:rPr lang="en-US" altLang="ko-KR"/>
-              <a:t>7</a:t>
+              <a:t>6</a:t>
             </a:fld>
             <a:r>
               <a:rPr lang="ko-KR"/>
@@ -9918,7 +9535,7 @@
 </p:sld>
 </file>
 
-<file path=ppt/slides/slide9.xml><?xml version="1.0" encoding="utf-8"?>
+<file path=ppt/slides/slide8.xml><?xml version="1.0" encoding="utf-8"?>
 <p:sld xmlns:a="http://schemas.openxmlformats.org/drawingml/2006/main" xmlns:r="http://schemas.openxmlformats.org/officeDocument/2006/relationships" xmlns:p="http://schemas.openxmlformats.org/presentationml/2006/main">
   <p:cSld>
     <p:spTree>
@@ -10037,7 +9654,7 @@
             </a:r>
             <a:fld id="{00000000-1234-1234-1234-123412341234}" type="slidenum">
               <a:rPr lang="en-US" altLang="ko-KR"/>
-              <a:t>8</a:t>
+              <a:t>7</a:t>
             </a:fld>
             <a:r>
               <a:rPr lang="ko-KR"/>
@@ -10320,6 +9937,171 @@
       </p:par>
     </p:tnLst>
   </p:timing>
+</p:sld>
+</file>
+
+<file path=ppt/slides/slide9.xml><?xml version="1.0" encoding="utf-8"?>
+<p:sld xmlns:a="http://schemas.openxmlformats.org/drawingml/2006/main" xmlns:r="http://schemas.openxmlformats.org/officeDocument/2006/relationships" xmlns:p="http://schemas.openxmlformats.org/presentationml/2006/main">
+  <p:cSld>
+    <p:spTree>
+      <p:nvGrpSpPr>
+        <p:cNvPr id="1" name="Shape 126"/>
+        <p:cNvGrpSpPr/>
+        <p:nvPr/>
+      </p:nvGrpSpPr>
+      <p:grpSpPr>
+        <a:xfrm>
+          <a:off x="0" y="0"/>
+          <a:ext cx="0" cy="0"/>
+          <a:chOff x="0" y="0"/>
+          <a:chExt cx="0" cy="0"/>
+        </a:xfrm>
+      </p:grpSpPr>
+      <p:sp>
+        <p:nvSpPr>
+          <p:cNvPr id="127" name="Google Shape;127;p15"/>
+          <p:cNvSpPr txBox="1">
+            <a:spLocks noGrp="1"/>
+          </p:cNvSpPr>
+          <p:nvPr>
+            <p:ph type="title"/>
+          </p:nvPr>
+        </p:nvSpPr>
+        <p:spPr>
+          <a:xfrm>
+            <a:off x="273050" y="116632"/>
+            <a:ext cx="8544000" cy="504000"/>
+          </a:xfrm>
+          <a:prstGeom prst="rect">
+            <a:avLst/>
+          </a:prstGeom>
+          <a:noFill/>
+          <a:ln>
+            <a:noFill/>
+          </a:ln>
+        </p:spPr>
+        <p:txBody>
+          <a:bodyPr spcFirstLastPara="1" wrap="square" lIns="91425" tIns="45700" rIns="91425" bIns="45700" anchor="ctr" anchorCtr="0">
+            <a:noAutofit/>
+          </a:bodyPr>
+          <a:lstStyle/>
+          <a:p>
+            <a:pPr marL="0" lvl="0" indent="0" algn="l" rtl="0">
+              <a:lnSpc>
+                <a:spcPct val="100000"/>
+              </a:lnSpc>
+              <a:spcBef>
+                <a:spcPts val="0"/>
+              </a:spcBef>
+              <a:spcAft>
+                <a:spcPts val="0"/>
+              </a:spcAft>
+              <a:buClr>
+                <a:srgbClr val="000000"/>
+              </a:buClr>
+              <a:buSzPts val="2400"/>
+              <a:buFont typeface="Malgun Gothic"/>
+              <a:buNone/>
+            </a:pPr>
+            <a:r>
+              <a:rPr lang="ko-KR"/>
+              <a:t>시스템 구성도</a:t>
+            </a:r>
+            <a:endParaRPr/>
+          </a:p>
+        </p:txBody>
+      </p:sp>
+      <p:sp>
+        <p:nvSpPr>
+          <p:cNvPr id="128" name="Google Shape;128;p15"/>
+          <p:cNvSpPr txBox="1">
+            <a:spLocks noGrp="1"/>
+          </p:cNvSpPr>
+          <p:nvPr>
+            <p:ph type="sldNum" idx="12"/>
+          </p:nvPr>
+        </p:nvSpPr>
+        <p:spPr>
+          <a:xfrm>
+            <a:off x="3838575" y="6622617"/>
+            <a:ext cx="2229000" cy="235500"/>
+          </a:xfrm>
+          <a:prstGeom prst="rect">
+            <a:avLst/>
+          </a:prstGeom>
+          <a:noFill/>
+          <a:ln>
+            <a:noFill/>
+          </a:ln>
+        </p:spPr>
+        <p:txBody>
+          <a:bodyPr spcFirstLastPara="1" wrap="square" lIns="91425" tIns="45700" rIns="91425" bIns="45700" anchor="ctr" anchorCtr="0">
+            <a:noAutofit/>
+          </a:bodyPr>
+          <a:lstStyle/>
+          <a:p>
+            <a:pPr marL="0" lvl="0" indent="0" algn="ctr" rtl="0">
+              <a:lnSpc>
+                <a:spcPct val="100000"/>
+              </a:lnSpc>
+              <a:spcBef>
+                <a:spcPts val="0"/>
+              </a:spcBef>
+              <a:spcAft>
+                <a:spcPts val="0"/>
+              </a:spcAft>
+              <a:buSzPts val="1100"/>
+              <a:buNone/>
+            </a:pPr>
+            <a:r>
+              <a:rPr lang="ko-KR"/>
+              <a:t>- </a:t>
+            </a:r>
+            <a:fld id="{00000000-1234-1234-1234-123412341234}" type="slidenum">
+              <a:rPr lang="en-US" altLang="ko-KR"/>
+              <a:t>8</a:t>
+            </a:fld>
+            <a:r>
+              <a:rPr lang="ko-KR"/>
+              <a:t> -</a:t>
+            </a:r>
+            <a:endParaRPr/>
+          </a:p>
+        </p:txBody>
+      </p:sp>
+      <p:pic>
+        <p:nvPicPr>
+          <p:cNvPr id="129" name="Google Shape;129;p15"/>
+          <p:cNvPicPr preferRelativeResize="0"/>
+          <p:nvPr/>
+        </p:nvPicPr>
+        <p:blipFill>
+          <a:blip r:embed="rId3">
+            <a:alphaModFix/>
+          </a:blip>
+          <a:stretch>
+            <a:fillRect/>
+          </a:stretch>
+        </p:blipFill>
+        <p:spPr>
+          <a:xfrm>
+            <a:off x="425450" y="1303024"/>
+            <a:ext cx="9191799" cy="4726575"/>
+          </a:xfrm>
+          <a:prstGeom prst="rect">
+            <a:avLst/>
+          </a:prstGeom>
+          <a:noFill/>
+          <a:ln>
+            <a:noFill/>
+          </a:ln>
+        </p:spPr>
+      </p:pic>
+    </p:spTree>
+  </p:cSld>
+  <p:clrMapOvr>
+    <a:masterClrMapping/>
+  </p:clrMapOvr>
 </p:sld>
 </file>
 

--- a/documents/PPT문서양식.pptx
+++ b/documents/PPT문서양식.pptx
@@ -6607,7 +6607,7 @@
               </a:spcAft>
               <a:buNone/>
             </a:pPr>
-            <a:endParaRPr sz="1600" b="1">
+            <a:endParaRPr sz="1600" b="1" dirty="0">
               <a:solidFill>
                 <a:schemeClr val="dk1"/>
               </a:solidFill>
@@ -6636,7 +6636,7 @@
               <a:buAutoNum type="arabicPeriod"/>
             </a:pPr>
             <a:r>
-              <a:rPr lang="ko-KR" sz="1600" b="1">
+              <a:rPr lang="ko-KR" sz="1600" b="1" dirty="0" smtClean="0">
                 <a:solidFill>
                   <a:schemeClr val="dk1"/>
                 </a:solidFill>
@@ -6647,7 +6647,7 @@
               </a:rPr>
               <a:t>프로젝트 목적</a:t>
             </a:r>
-            <a:endParaRPr sz="1600" b="1" i="0" u="none" strike="noStrike" cap="none">
+            <a:endParaRPr sz="1600" b="1" i="0" u="none" strike="noStrike" cap="none" dirty="0" smtClean="0">
               <a:solidFill>
                 <a:schemeClr val="dk1"/>
               </a:solidFill>
@@ -6676,7 +6676,7 @@
               <a:buAutoNum type="arabicPeriod"/>
             </a:pPr>
             <a:r>
-              <a:rPr lang="ko-KR" sz="1600" b="1">
+              <a:rPr lang="ko-KR" sz="1600" b="1" dirty="0" smtClean="0">
                 <a:solidFill>
                   <a:schemeClr val="dk1"/>
                 </a:solidFill>
@@ -6685,9 +6685,21 @@
                 <a:cs typeface="Calibri"/>
                 <a:sym typeface="Calibri"/>
               </a:rPr>
-              <a:t>프로젝트 특징</a:t>
+              <a:t>프로젝트 </a:t>
             </a:r>
-            <a:endParaRPr sz="1600" b="1" i="0" u="none" strike="noStrike" cap="none">
+            <a:r>
+              <a:rPr lang="ko-KR" sz="1600" b="1" dirty="0">
+                <a:solidFill>
+                  <a:schemeClr val="dk1"/>
+                </a:solidFill>
+                <a:latin typeface="Calibri"/>
+                <a:ea typeface="Calibri"/>
+                <a:cs typeface="Calibri"/>
+                <a:sym typeface="Calibri"/>
+              </a:rPr>
+              <a:t>특징</a:t>
+            </a:r>
+            <a:endParaRPr sz="1600" b="1" i="0" u="none" strike="noStrike" cap="none" dirty="0">
               <a:solidFill>
                 <a:schemeClr val="dk1"/>
               </a:solidFill>
@@ -6716,7 +6728,7 @@
               <a:buAutoNum type="arabicPeriod"/>
             </a:pPr>
             <a:r>
-              <a:rPr lang="ko-KR" sz="1600" b="1">
+              <a:rPr lang="ko-KR" sz="1600" b="1" dirty="0">
                 <a:solidFill>
                   <a:schemeClr val="dk1"/>
                 </a:solidFill>
@@ -6727,7 +6739,7 @@
               </a:rPr>
               <a:t>구성원</a:t>
             </a:r>
-            <a:endParaRPr sz="1600" b="1" i="0" u="none" strike="noStrike" cap="none">
+            <a:endParaRPr sz="1600" b="1" i="0" u="none" strike="noStrike" cap="none" dirty="0">
               <a:solidFill>
                 <a:schemeClr val="dk1"/>
               </a:solidFill>
@@ -6756,7 +6768,7 @@
               <a:buAutoNum type="arabicPeriod"/>
             </a:pPr>
             <a:r>
-              <a:rPr lang="ko-KR" sz="1600" b="1">
+              <a:rPr lang="ko-KR" sz="1600" b="1" dirty="0">
                 <a:solidFill>
                   <a:schemeClr val="dk1"/>
                 </a:solidFill>
@@ -6767,7 +6779,7 @@
               </a:rPr>
               <a:t>일정계획</a:t>
             </a:r>
-            <a:endParaRPr sz="1600" b="1" i="0" u="none" strike="noStrike" cap="none">
+            <a:endParaRPr sz="1600" b="1" i="0" u="none" strike="noStrike" cap="none" dirty="0">
               <a:solidFill>
                 <a:schemeClr val="dk1"/>
               </a:solidFill>
@@ -6796,7 +6808,7 @@
               <a:buAutoNum type="arabicPeriod"/>
             </a:pPr>
             <a:r>
-              <a:rPr lang="ko-KR" sz="1600" b="1">
+              <a:rPr lang="ko-KR" sz="1600" b="1" dirty="0">
                 <a:solidFill>
                   <a:schemeClr val="dk1"/>
                 </a:solidFill>
@@ -6807,7 +6819,7 @@
               </a:rPr>
               <a:t>적용기술</a:t>
             </a:r>
-            <a:endParaRPr sz="1600" b="1" i="0" u="none" strike="noStrike" cap="none">
+            <a:endParaRPr sz="1600" b="1" i="0" u="none" strike="noStrike" cap="none" dirty="0">
               <a:solidFill>
                 <a:schemeClr val="dk1"/>
               </a:solidFill>
@@ -6836,7 +6848,7 @@
               <a:buAutoNum type="arabicPeriod"/>
             </a:pPr>
             <a:r>
-              <a:rPr lang="ko-KR" sz="1600" b="1">
+              <a:rPr lang="ko-KR" sz="1600" b="1" dirty="0">
                 <a:solidFill>
                   <a:schemeClr val="dk1"/>
                 </a:solidFill>
@@ -6847,7 +6859,7 @@
               </a:rPr>
               <a:t>시스템 구성도</a:t>
             </a:r>
-            <a:endParaRPr sz="1600" b="1">
+            <a:endParaRPr sz="1600" b="1" dirty="0">
               <a:solidFill>
                 <a:schemeClr val="dk1"/>
               </a:solidFill>
@@ -7081,60 +7093,6 @@
       </p:grpSpPr>
       <p:sp>
         <p:nvSpPr>
-          <p:cNvPr id="45" name="Google Shape;45;p7"/>
-          <p:cNvSpPr txBox="1">
-            <a:spLocks noGrp="1"/>
-          </p:cNvSpPr>
-          <p:nvPr>
-            <p:ph type="title"/>
-          </p:nvPr>
-        </p:nvSpPr>
-        <p:spPr>
-          <a:xfrm>
-            <a:off x="273050" y="116632"/>
-            <a:ext cx="8544000" cy="504000"/>
-          </a:xfrm>
-          <a:prstGeom prst="rect">
-            <a:avLst/>
-          </a:prstGeom>
-          <a:noFill/>
-          <a:ln>
-            <a:noFill/>
-          </a:ln>
-        </p:spPr>
-        <p:txBody>
-          <a:bodyPr spcFirstLastPara="1" wrap="square" lIns="91425" tIns="45700" rIns="91425" bIns="45700" anchor="ctr" anchorCtr="0">
-            <a:noAutofit/>
-          </a:bodyPr>
-          <a:lstStyle/>
-          <a:p>
-            <a:pPr marL="0" lvl="0" indent="0" algn="l" rtl="0">
-              <a:lnSpc>
-                <a:spcPct val="100000"/>
-              </a:lnSpc>
-              <a:spcBef>
-                <a:spcPts val="0"/>
-              </a:spcBef>
-              <a:spcAft>
-                <a:spcPts val="0"/>
-              </a:spcAft>
-              <a:buClr>
-                <a:srgbClr val="000000"/>
-              </a:buClr>
-              <a:buSzPts val="2400"/>
-              <a:buFont typeface="Malgun Gothic"/>
-              <a:buNone/>
-            </a:pPr>
-            <a:r>
-              <a:rPr lang="ko-KR"/>
-              <a:t>어플 캡쳐본</a:t>
-            </a:r>
-            <a:endParaRPr/>
-          </a:p>
-        </p:txBody>
-      </p:sp>
-      <p:sp>
-        <p:nvSpPr>
           <p:cNvPr id="46" name="Google Shape;46;p7"/>
           <p:cNvSpPr txBox="1">
             <a:spLocks noGrp="1"/>
@@ -7233,7 +7191,7 @@
         </p:blipFill>
         <p:spPr>
           <a:xfrm>
-            <a:off x="5382052" y="1538653"/>
+            <a:off x="5357113" y="1538653"/>
             <a:ext cx="2026800" cy="3600000"/>
           </a:xfrm>
           <a:prstGeom prst="rect">
@@ -7287,7 +7245,7 @@
         </p:blipFill>
         <p:spPr>
           <a:xfrm>
-            <a:off x="3355252" y="1538653"/>
+            <a:off x="3305374" y="1538653"/>
             <a:ext cx="2026800" cy="3600000"/>
           </a:xfrm>
           <a:prstGeom prst="rect">
@@ -7299,6 +7257,60 @@
           </a:ln>
         </p:spPr>
       </p:pic>
+      <p:sp>
+        <p:nvSpPr>
+          <p:cNvPr id="8" name="Google Shape;70;p10"/>
+          <p:cNvSpPr txBox="1">
+            <a:spLocks noGrp="1"/>
+          </p:cNvSpPr>
+          <p:nvPr>
+            <p:ph type="title"/>
+          </p:nvPr>
+        </p:nvSpPr>
+        <p:spPr>
+          <a:xfrm>
+            <a:off x="273050" y="116632"/>
+            <a:ext cx="8543925" cy="504056"/>
+          </a:xfrm>
+          <a:prstGeom prst="rect">
+            <a:avLst/>
+          </a:prstGeom>
+          <a:noFill/>
+          <a:ln>
+            <a:noFill/>
+          </a:ln>
+        </p:spPr>
+        <p:txBody>
+          <a:bodyPr spcFirstLastPara="1" wrap="square" lIns="91425" tIns="45700" rIns="91425" bIns="45700" anchor="ctr" anchorCtr="0">
+            <a:noAutofit/>
+          </a:bodyPr>
+          <a:lstStyle/>
+          <a:p>
+            <a:pPr marL="0" lvl="0" indent="0" algn="l" rtl="0">
+              <a:lnSpc>
+                <a:spcPct val="100000"/>
+              </a:lnSpc>
+              <a:spcBef>
+                <a:spcPts val="0"/>
+              </a:spcBef>
+              <a:spcAft>
+                <a:spcPts val="0"/>
+              </a:spcAft>
+              <a:buClr>
+                <a:srgbClr val="000000"/>
+              </a:buClr>
+              <a:buSzPts val="2400"/>
+              <a:buFont typeface="Malgun Gothic"/>
+              <a:buNone/>
+            </a:pPr>
+            <a:r>
+              <a:rPr lang="ko-KR" altLang="en-US" dirty="0" smtClean="0"/>
+              <a:t>서비스 중인 등산 어플리케이션 현황</a:t>
+            </a:r>
+            <a:endParaRPr dirty="0"/>
+          </a:p>
+        </p:txBody>
+      </p:sp>
     </p:spTree>
   </p:cSld>
   <p:clrMapOvr>
@@ -7378,10 +7390,10 @@
               <a:buNone/>
             </a:pPr>
             <a:r>
-              <a:rPr lang="ko-KR"/>
+              <a:rPr lang="ko-KR" dirty="0"/>
               <a:t>프로젝트 목적</a:t>
             </a:r>
-            <a:endParaRPr/>
+            <a:endParaRPr dirty="0"/>
           </a:p>
         </p:txBody>
       </p:sp>
